--- a/paper_ClusterRobustTesting/PRC_talk_20160218.pptx
+++ b/paper_ClusterRobustTesting/PRC_talk_20160218.pptx
@@ -5,7 +5,7 @@
     <p:sldMasterId id="2147483696" r:id="rId1"/>
   </p:sldMasterIdLst>
   <p:notesMasterIdLst>
-    <p:notesMasterId r:id="rId30"/>
+    <p:notesMasterId r:id="rId31"/>
   </p:notesMasterIdLst>
   <p:sldIdLst>
     <p:sldId id="361" r:id="rId2"/>
@@ -28,14 +28,15 @@
     <p:sldId id="388" r:id="rId19"/>
     <p:sldId id="390" r:id="rId20"/>
     <p:sldId id="389" r:id="rId21"/>
-    <p:sldId id="391" r:id="rId22"/>
-    <p:sldId id="392" r:id="rId23"/>
-    <p:sldId id="393" r:id="rId24"/>
+    <p:sldId id="392" r:id="rId22"/>
+    <p:sldId id="393" r:id="rId23"/>
+    <p:sldId id="399" r:id="rId24"/>
     <p:sldId id="394" r:id="rId25"/>
-    <p:sldId id="395" r:id="rId26"/>
-    <p:sldId id="396" r:id="rId27"/>
-    <p:sldId id="397" r:id="rId28"/>
-    <p:sldId id="398" r:id="rId29"/>
+    <p:sldId id="400" r:id="rId26"/>
+    <p:sldId id="395" r:id="rId27"/>
+    <p:sldId id="396" r:id="rId28"/>
+    <p:sldId id="397" r:id="rId29"/>
+    <p:sldId id="398" r:id="rId30"/>
   </p:sldIdLst>
   <p:sldSz cx="9144000" cy="6858000" type="screen4x3"/>
   <p:notesSz cx="6858000" cy="9144000"/>
@@ -159,10 +160,11 @@
             <p14:sldId id="388"/>
             <p14:sldId id="390"/>
             <p14:sldId id="389"/>
-            <p14:sldId id="391"/>
             <p14:sldId id="392"/>
             <p14:sldId id="393"/>
+            <p14:sldId id="399"/>
             <p14:sldId id="394"/>
+            <p14:sldId id="400"/>
             <p14:sldId id="395"/>
             <p14:sldId id="396"/>
             <p14:sldId id="397"/>
@@ -271,7 +273,7 @@
           <a:p>
             <a:fld id="{FE5FF6C3-88EE-4F3D-A4BE-111CDC4F311E}" type="datetimeFigureOut">
               <a:rPr lang="en-US" smtClean="0"/>
-              <a:t>2/18/2016</a:t>
+              <a:t>2/19/2016</a:t>
             </a:fld>
             <a:endParaRPr lang="en-US"/>
           </a:p>
@@ -890,6 +892,14 @@
               <a:tabLst/>
               <a:defRPr/>
             </a:pPr>
+            <a:r>
+              <a:rPr lang="en-US" dirty="0" smtClean="0"/>
+              <a:t>Working</a:t>
+            </a:r>
+            <a:r>
+              <a:rPr lang="en-US" baseline="0" dirty="0" smtClean="0"/>
+              <a:t> random effects model assumes a compound symmetric covariance matrix within each cluster.</a:t>
+            </a:r>
             <a:endParaRPr lang="en-US" dirty="0" smtClean="0"/>
           </a:p>
         </p:txBody>
@@ -1711,6 +1721,10 @@
               <a:tabLst/>
               <a:defRPr/>
             </a:pPr>
+            <a:r>
+              <a:rPr lang="en-US" dirty="0" smtClean="0"/>
+              <a:t>Sarah Blanchard, Chandra Muller. Educational Longitudinal Study of 2002.</a:t>
+            </a:r>
             <a:endParaRPr lang="en-US" dirty="0" smtClean="0"/>
           </a:p>
         </p:txBody>
@@ -1842,7 +1856,7 @@
     </p:spTree>
     <p:extLst>
       <p:ext uri="{BB962C8B-B14F-4D97-AF65-F5344CB8AC3E}">
-        <p14:creationId xmlns:p14="http://schemas.microsoft.com/office/powerpoint/2010/main" val="2527879251"/>
+        <p14:creationId xmlns:p14="http://schemas.microsoft.com/office/powerpoint/2010/main" val="2002423870"/>
       </p:ext>
     </p:extLst>
   </p:cSld>
@@ -1943,7 +1957,7 @@
     </p:spTree>
     <p:extLst>
       <p:ext uri="{BB962C8B-B14F-4D97-AF65-F5344CB8AC3E}">
-        <p14:creationId xmlns:p14="http://schemas.microsoft.com/office/powerpoint/2010/main" val="2002423870"/>
+        <p14:creationId xmlns:p14="http://schemas.microsoft.com/office/powerpoint/2010/main" val="170624397"/>
       </p:ext>
     </p:extLst>
   </p:cSld>
@@ -1997,24 +2011,7 @@
           <a:bodyPr/>
           <a:lstStyle/>
           <a:p>
-            <a:pPr marL="0" marR="0" indent="0" algn="l" defTabSz="914400" rtl="0" eaLnBrk="1" fontAlgn="auto" latinLnBrk="0" hangingPunct="1">
-              <a:lnSpc>
-                <a:spcPct val="100000"/>
-              </a:lnSpc>
-              <a:spcBef>
-                <a:spcPts val="0"/>
-              </a:spcBef>
-              <a:spcAft>
-                <a:spcPts val="0"/>
-              </a:spcAft>
-              <a:buClrTx/>
-              <a:buSzTx/>
-              <a:buFontTx/>
-              <a:buNone/>
-              <a:tabLst/>
-              <a:defRPr/>
-            </a:pPr>
-            <a:endParaRPr lang="en-US" dirty="0" smtClean="0"/>
+            <a:endParaRPr lang="en-US" dirty="0"/>
           </a:p>
         </p:txBody>
       </p:sp>
@@ -2044,7 +2041,7 @@
     </p:spTree>
     <p:extLst>
       <p:ext uri="{BB962C8B-B14F-4D97-AF65-F5344CB8AC3E}">
-        <p14:creationId xmlns:p14="http://schemas.microsoft.com/office/powerpoint/2010/main" val="170624397"/>
+        <p14:creationId xmlns:p14="http://schemas.microsoft.com/office/powerpoint/2010/main" val="4180025810"/>
       </p:ext>
     </p:extLst>
   </p:cSld>
@@ -2115,6 +2112,10 @@
               <a:tabLst/>
               <a:defRPr/>
             </a:pPr>
+            <a:r>
+              <a:rPr lang="en-US" dirty="0" smtClean="0"/>
+              <a:t>Fatal Accident Reporting System from National Highway Traffic Safety Administration</a:t>
+            </a:r>
             <a:endParaRPr lang="en-US" dirty="0" smtClean="0"/>
           </a:p>
         </p:txBody>
@@ -2216,6 +2217,10 @@
               <a:tabLst/>
               <a:defRPr/>
             </a:pPr>
+            <a:r>
+              <a:rPr lang="en-US" dirty="0" smtClean="0"/>
+              <a:t>Fatal Accident Reporting System from National Highway Traffic Safety Administration</a:t>
+            </a:r>
             <a:endParaRPr lang="en-US" dirty="0" smtClean="0"/>
           </a:p>
         </p:txBody>
@@ -2246,7 +2251,7 @@
     </p:spTree>
     <p:extLst>
       <p:ext uri="{BB962C8B-B14F-4D97-AF65-F5344CB8AC3E}">
-        <p14:creationId xmlns:p14="http://schemas.microsoft.com/office/powerpoint/2010/main" val="2294580425"/>
+        <p14:creationId xmlns:p14="http://schemas.microsoft.com/office/powerpoint/2010/main" val="859839626"/>
       </p:ext>
     </p:extLst>
   </p:cSld>
@@ -2347,7 +2352,7 @@
     </p:spTree>
     <p:extLst>
       <p:ext uri="{BB962C8B-B14F-4D97-AF65-F5344CB8AC3E}">
-        <p14:creationId xmlns:p14="http://schemas.microsoft.com/office/powerpoint/2010/main" val="1810373404"/>
+        <p14:creationId xmlns:p14="http://schemas.microsoft.com/office/powerpoint/2010/main" val="2294580425"/>
       </p:ext>
     </p:extLst>
   </p:cSld>
@@ -2448,7 +2453,7 @@
     </p:spTree>
     <p:extLst>
       <p:ext uri="{BB962C8B-B14F-4D97-AF65-F5344CB8AC3E}">
-        <p14:creationId xmlns:p14="http://schemas.microsoft.com/office/powerpoint/2010/main" val="1807824875"/>
+        <p14:creationId xmlns:p14="http://schemas.microsoft.com/office/powerpoint/2010/main" val="1810373404"/>
       </p:ext>
     </p:extLst>
   </p:cSld>
@@ -2541,6 +2546,107 @@
             <a:fld id="{B97938B5-0A17-4033-84DB-0932E9642712}" type="slidenum">
               <a:rPr lang="en-US" smtClean="0"/>
               <a:t>28</a:t>
+            </a:fld>
+            <a:endParaRPr lang="en-US"/>
+          </a:p>
+        </p:txBody>
+      </p:sp>
+    </p:spTree>
+    <p:extLst>
+      <p:ext uri="{BB962C8B-B14F-4D97-AF65-F5344CB8AC3E}">
+        <p14:creationId xmlns:p14="http://schemas.microsoft.com/office/powerpoint/2010/main" val="1807824875"/>
+      </p:ext>
+    </p:extLst>
+  </p:cSld>
+  <p:clrMapOvr>
+    <a:masterClrMapping/>
+  </p:clrMapOvr>
+</p:notes>
+</file>
+
+<file path=ppt/notesSlides/notesSlide28.xml><?xml version="1.0" encoding="utf-8"?>
+<p:notes xmlns:a="http://schemas.openxmlformats.org/drawingml/2006/main" xmlns:r="http://schemas.openxmlformats.org/officeDocument/2006/relationships" xmlns:p="http://schemas.openxmlformats.org/presentationml/2006/main">
+  <p:cSld>
+    <p:spTree>
+      <p:nvGrpSpPr>
+        <p:cNvPr id="1" name=""/>
+        <p:cNvGrpSpPr/>
+        <p:nvPr/>
+      </p:nvGrpSpPr>
+      <p:grpSpPr>
+        <a:xfrm>
+          <a:off x="0" y="0"/>
+          <a:ext cx="0" cy="0"/>
+          <a:chOff x="0" y="0"/>
+          <a:chExt cx="0" cy="0"/>
+        </a:xfrm>
+      </p:grpSpPr>
+      <p:sp>
+        <p:nvSpPr>
+          <p:cNvPr id="2" name="Slide Image Placeholder 1"/>
+          <p:cNvSpPr>
+            <a:spLocks noGrp="1" noRot="1" noChangeAspect="1"/>
+          </p:cNvSpPr>
+          <p:nvPr>
+            <p:ph type="sldImg"/>
+          </p:nvPr>
+        </p:nvSpPr>
+        <p:spPr/>
+      </p:sp>
+      <p:sp>
+        <p:nvSpPr>
+          <p:cNvPr id="3" name="Notes Placeholder 2"/>
+          <p:cNvSpPr>
+            <a:spLocks noGrp="1"/>
+          </p:cNvSpPr>
+          <p:nvPr>
+            <p:ph type="body" idx="1"/>
+          </p:nvPr>
+        </p:nvSpPr>
+        <p:spPr/>
+        <p:txBody>
+          <a:bodyPr/>
+          <a:lstStyle/>
+          <a:p>
+            <a:pPr marL="0" marR="0" indent="0" algn="l" defTabSz="914400" rtl="0" eaLnBrk="1" fontAlgn="auto" latinLnBrk="0" hangingPunct="1">
+              <a:lnSpc>
+                <a:spcPct val="100000"/>
+              </a:lnSpc>
+              <a:spcBef>
+                <a:spcPts val="0"/>
+              </a:spcBef>
+              <a:spcAft>
+                <a:spcPts val="0"/>
+              </a:spcAft>
+              <a:buClrTx/>
+              <a:buSzTx/>
+              <a:buFontTx/>
+              <a:buNone/>
+              <a:tabLst/>
+              <a:defRPr/>
+            </a:pPr>
+            <a:endParaRPr lang="en-US" dirty="0" smtClean="0"/>
+          </a:p>
+        </p:txBody>
+      </p:sp>
+      <p:sp>
+        <p:nvSpPr>
+          <p:cNvPr id="4" name="Slide Number Placeholder 3"/>
+          <p:cNvSpPr>
+            <a:spLocks noGrp="1"/>
+          </p:cNvSpPr>
+          <p:nvPr>
+            <p:ph type="sldNum" sz="quarter" idx="10"/>
+          </p:nvPr>
+        </p:nvSpPr>
+        <p:spPr/>
+        <p:txBody>
+          <a:bodyPr/>
+          <a:lstStyle/>
+          <a:p>
+            <a:fld id="{B97938B5-0A17-4033-84DB-0932E9642712}" type="slidenum">
+              <a:rPr lang="en-US" smtClean="0"/>
+              <a:t>29</a:t>
             </a:fld>
             <a:endParaRPr lang="en-US"/>
           </a:p>
@@ -3397,7 +3503,7 @@
           <a:p>
             <a:fld id="{C33CA4D5-4817-4E0F-ABD6-ECCF131EAF95}" type="datetimeFigureOut">
               <a:rPr lang="en-US" smtClean="0"/>
-              <a:t>2/18/2016</a:t>
+              <a:t>2/19/2016</a:t>
             </a:fld>
             <a:endParaRPr lang="en-US"/>
           </a:p>
@@ -3576,7 +3682,7 @@
           <a:p>
             <a:fld id="{B851A581-70F3-4997-8F12-8ECCB2AF0770}" type="datetime1">
               <a:rPr lang="en-US" smtClean="0"/>
-              <a:t>2/18/2016</a:t>
+              <a:t>2/19/2016</a:t>
             </a:fld>
             <a:endParaRPr lang="en-US"/>
           </a:p>
@@ -3760,7 +3866,7 @@
           <a:p>
             <a:fld id="{287B608B-93ED-40DC-B09F-7BE1EF23D395}" type="datetime1">
               <a:rPr lang="en-US" smtClean="0"/>
-              <a:t>2/18/2016</a:t>
+              <a:t>2/19/2016</a:t>
             </a:fld>
             <a:endParaRPr lang="en-US"/>
           </a:p>
@@ -3934,7 +4040,7 @@
           <a:p>
             <a:fld id="{C33CA4D5-4817-4E0F-ABD6-ECCF131EAF95}" type="datetimeFigureOut">
               <a:rPr lang="en-US" smtClean="0"/>
-              <a:t>2/18/2016</a:t>
+              <a:t>2/19/2016</a:t>
             </a:fld>
             <a:endParaRPr lang="en-US"/>
           </a:p>
@@ -4180,7 +4286,7 @@
           <a:p>
             <a:fld id="{A6201BA7-3BA6-4363-9B07-20976CCFB185}" type="datetime1">
               <a:rPr lang="en-US" smtClean="0"/>
-              <a:t>2/18/2016</a:t>
+              <a:t>2/19/2016</a:t>
             </a:fld>
             <a:endParaRPr lang="en-US"/>
           </a:p>
@@ -4416,7 +4522,7 @@
           <a:p>
             <a:fld id="{160B7E6E-5F8F-494A-B1C8-CF5164B30142}" type="datetime1">
               <a:rPr lang="en-US" smtClean="0"/>
-              <a:t>2/18/2016</a:t>
+              <a:t>2/19/2016</a:t>
             </a:fld>
             <a:endParaRPr lang="en-US"/>
           </a:p>
@@ -4787,7 +4893,7 @@
           <a:p>
             <a:fld id="{C47ACC97-0382-4CFB-B59C-418215C21FF9}" type="datetime1">
               <a:rPr lang="en-US" smtClean="0"/>
-              <a:t>2/18/2016</a:t>
+              <a:t>2/19/2016</a:t>
             </a:fld>
             <a:endParaRPr lang="en-US"/>
           </a:p>
@@ -4909,7 +5015,7 @@
           <a:p>
             <a:fld id="{4125117C-4278-4924-ADB7-D39CB2CBC371}" type="datetime1">
               <a:rPr lang="en-US" smtClean="0"/>
-              <a:t>2/18/2016</a:t>
+              <a:t>2/19/2016</a:t>
             </a:fld>
             <a:endParaRPr lang="en-US"/>
           </a:p>
@@ -5008,7 +5114,7 @@
           <a:p>
             <a:fld id="{C6098A7B-6EAC-4139-9916-A28058953833}" type="datetime1">
               <a:rPr lang="en-US" smtClean="0"/>
-              <a:t>2/18/2016</a:t>
+              <a:t>2/19/2016</a:t>
             </a:fld>
             <a:endParaRPr lang="en-US"/>
           </a:p>
@@ -5289,7 +5395,7 @@
           <a:p>
             <a:fld id="{66391F02-B5E8-48B3-BC35-E5431CCED26B}" type="datetime1">
               <a:rPr lang="en-US" smtClean="0"/>
-              <a:t>2/18/2016</a:t>
+              <a:t>2/19/2016</a:t>
             </a:fld>
             <a:endParaRPr lang="en-US"/>
           </a:p>
@@ -5546,7 +5652,7 @@
           <a:p>
             <a:fld id="{0E9CAD5B-0BBC-41DD-8FEC-59C9FBB94DD0}" type="datetime1">
               <a:rPr lang="en-US" smtClean="0"/>
-              <a:t>2/18/2016</a:t>
+              <a:t>2/19/2016</a:t>
             </a:fld>
             <a:endParaRPr lang="en-US"/>
           </a:p>
@@ -5775,7 +5881,7 @@
           <a:p>
             <a:fld id="{C33CA4D5-4817-4E0F-ABD6-ECCF131EAF95}" type="datetimeFigureOut">
               <a:rPr lang="en-US" smtClean="0"/>
-              <a:t>2/18/2016</a:t>
+              <a:t>2/19/2016</a:t>
             </a:fld>
             <a:endParaRPr lang="en-US"/>
           </a:p>
@@ -6236,25 +6342,7 @@
                 </a:solidFill>
                 <a:latin typeface="+mn-lt"/>
               </a:rPr>
-              <a:t>Cluster-robust variance estimation and hypothesis testing </a:t>
-            </a:r>
-            <a:r>
-              <a:rPr lang="en-US" sz="2800" dirty="0" smtClean="0">
-                <a:solidFill>
-                  <a:schemeClr val="tx1"/>
-                </a:solidFill>
-                <a:latin typeface="+mn-lt"/>
-              </a:rPr>
-              <a:t>with </a:t>
-            </a:r>
-            <a:r>
-              <a:rPr lang="en-US" sz="2800" dirty="0" smtClean="0">
-                <a:solidFill>
-                  <a:schemeClr val="tx1"/>
-                </a:solidFill>
-                <a:latin typeface="+mn-lt"/>
-              </a:rPr>
-              <a:t>few clusters</a:t>
+              <a:t>Cluster-robust variance estimation and hypothesis testing with few clusters</a:t>
             </a:r>
             <a:endParaRPr lang="en-US" sz="3200" dirty="0">
               <a:solidFill>
@@ -6298,19 +6386,7 @@
                 <a:ea typeface="Tahoma" panose="020B0604030504040204" pitchFamily="34" charset="0"/>
                 <a:cs typeface="Tahoma" panose="020B0604030504040204" pitchFamily="34" charset="0"/>
               </a:rPr>
-              <a:t>James E. </a:t>
-            </a:r>
-            <a:r>
-              <a:rPr lang="en-US" sz="2400" dirty="0" smtClean="0">
-                <a:solidFill>
-                  <a:schemeClr val="bg1">
-                    <a:lumMod val="50000"/>
-                  </a:schemeClr>
-                </a:solidFill>
-                <a:ea typeface="Tahoma" panose="020B0604030504040204" pitchFamily="34" charset="0"/>
-                <a:cs typeface="Tahoma" panose="020B0604030504040204" pitchFamily="34" charset="0"/>
-              </a:rPr>
-              <a:t>Pustejovsky</a:t>
+              <a:t>James E. Pustejovsky</a:t>
             </a:r>
             <a:br>
               <a:rPr lang="en-US" sz="2400" dirty="0" smtClean="0">
@@ -6333,19 +6409,7 @@
                 <a:ea typeface="Tahoma" panose="020B0604030504040204" pitchFamily="34" charset="0"/>
                 <a:cs typeface="Tahoma" panose="020B0604030504040204" pitchFamily="34" charset="0"/>
               </a:rPr>
-              <a:t>UT </a:t>
-            </a:r>
-            <a:r>
-              <a:rPr lang="en-US" sz="2400" dirty="0" smtClean="0">
-                <a:solidFill>
-                  <a:schemeClr val="bg1">
-                    <a:lumMod val="50000"/>
-                  </a:schemeClr>
-                </a:solidFill>
-                <a:ea typeface="Tahoma" panose="020B0604030504040204" pitchFamily="34" charset="0"/>
-                <a:cs typeface="Tahoma" panose="020B0604030504040204" pitchFamily="34" charset="0"/>
-              </a:rPr>
-              <a:t>Austin</a:t>
+              <a:t>UT Austin</a:t>
             </a:r>
             <a:br>
               <a:rPr lang="en-US" sz="2400" dirty="0" smtClean="0">
@@ -6403,19 +6467,7 @@
                 <a:ea typeface="Tahoma" panose="020B0604030504040204" pitchFamily="34" charset="0"/>
                 <a:cs typeface="Tahoma" panose="020B0604030504040204" pitchFamily="34" charset="0"/>
               </a:rPr>
-              <a:t>Quantitative </a:t>
-            </a:r>
-            <a:r>
-              <a:rPr lang="en-US" sz="2400" dirty="0" smtClean="0">
-                <a:solidFill>
-                  <a:schemeClr val="bg1">
-                    <a:lumMod val="50000"/>
-                  </a:schemeClr>
-                </a:solidFill>
-                <a:ea typeface="Tahoma" panose="020B0604030504040204" pitchFamily="34" charset="0"/>
-                <a:cs typeface="Tahoma" panose="020B0604030504040204" pitchFamily="34" charset="0"/>
-              </a:rPr>
-              <a:t>Methods Program</a:t>
+              <a:t>Quantitative Methods Program</a:t>
             </a:r>
             <a:br>
               <a:rPr lang="en-US" sz="2400" dirty="0" smtClean="0">
@@ -7518,29 +7570,6 @@
       </p:sp>
       <p:sp>
         <p:nvSpPr>
-          <p:cNvPr id="4" name="Footer Placeholder 3"/>
-          <p:cNvSpPr>
-            <a:spLocks noGrp="1"/>
-          </p:cNvSpPr>
-          <p:nvPr>
-            <p:ph type="ftr" sz="quarter" idx="11"/>
-          </p:nvPr>
-        </p:nvSpPr>
-        <p:spPr/>
-        <p:txBody>
-          <a:bodyPr/>
-          <a:lstStyle/>
-          <a:p>
-            <a:r>
-              <a:rPr lang="en-US" smtClean="0"/>
-              <a:t>Single-Case Research</a:t>
-            </a:r>
-            <a:endParaRPr lang="en-US"/>
-          </a:p>
-        </p:txBody>
-      </p:sp>
-      <p:sp>
-        <p:nvSpPr>
           <p:cNvPr id="5" name="Slide Number Placeholder 4"/>
           <p:cNvSpPr>
             <a:spLocks noGrp="1"/>
@@ -7704,7 +7733,7 @@
         </p:spPr>
         <p:txBody>
           <a:bodyPr>
-            <a:normAutofit/>
+            <a:normAutofit lnSpcReduction="10000"/>
           </a:bodyPr>
           <a:lstStyle/>
           <a:p>
@@ -7742,9 +7771,31 @@
             </a:r>
           </a:p>
           <a:p>
-            <a:r>
-              <a:rPr lang="en-US" dirty="0" smtClean="0"/>
-              <a:t>The corrected variance estimator is</a:t>
+            <a:endParaRPr lang="en-US" dirty="0" smtClean="0"/>
+          </a:p>
+          <a:p>
+            <a:r>
+              <a:rPr lang="en-US" dirty="0" smtClean="0"/>
+              <a:t>Given a working model, seek a variance estimator such that</a:t>
+            </a:r>
+          </a:p>
+          <a:p>
+            <a:endParaRPr lang="en-US" dirty="0" smtClean="0"/>
+          </a:p>
+          <a:p>
+            <a:endParaRPr lang="en-US" dirty="0"/>
+          </a:p>
+          <a:p>
+            <a:endParaRPr lang="en-US" dirty="0" smtClean="0"/>
+          </a:p>
+          <a:p>
+            <a:r>
+              <a:rPr lang="en-US" dirty="0" smtClean="0"/>
+              <a:t>The </a:t>
+            </a:r>
+            <a:r>
+              <a:rPr lang="en-US" dirty="0" smtClean="0"/>
+              <a:t>corrected variance estimator is</a:t>
             </a:r>
             <a:br>
               <a:rPr lang="en-US" dirty="0" smtClean="0"/>
@@ -7779,7 +7830,11 @@
             </a:br>
             <a:r>
               <a:rPr lang="en-US" dirty="0" smtClean="0"/>
-              <a:t>where the adjustment matrices </a:t>
+              <a:t>with </a:t>
+            </a:r>
+            <a:r>
+              <a:rPr lang="en-US" dirty="0" smtClean="0"/>
+              <a:t>adjustment matrices </a:t>
             </a:r>
             <a:r>
               <a:rPr lang="en-US" b="1" dirty="0" smtClean="0"/>
@@ -7803,36 +7858,19 @@
             </a:r>
             <a:r>
               <a:rPr lang="en-US" dirty="0" smtClean="0"/>
-              <a:t> are chosen so that </a:t>
+              <a:t> </a:t>
+            </a:r>
+            <a:r>
+              <a:rPr lang="en-US" dirty="0" smtClean="0"/>
+              <a:t>chosen to satisfy BRL criterion.</a:t>
+            </a:r>
+            <a:r>
+              <a:rPr lang="en-US" dirty="0" smtClean="0"/>
+              <a:t/>
             </a:r>
             <a:br>
               <a:rPr lang="en-US" dirty="0" smtClean="0"/>
             </a:br>
-            <a:r>
-              <a:rPr lang="en-US" dirty="0" smtClean="0"/>
-              <a:t/>
-            </a:r>
-            <a:br>
-              <a:rPr lang="en-US" dirty="0" smtClean="0"/>
-            </a:br>
-            <a:r>
-              <a:rPr lang="en-US" dirty="0" smtClean="0"/>
-              <a:t/>
-            </a:r>
-            <a:br>
-              <a:rPr lang="en-US" dirty="0" smtClean="0"/>
-            </a:br>
-            <a:r>
-              <a:rPr lang="en-US" dirty="0" smtClean="0"/>
-              <a:t/>
-            </a:r>
-            <a:br>
-              <a:rPr lang="en-US" dirty="0" smtClean="0"/>
-            </a:br>
-            <a:r>
-              <a:rPr lang="en-US" dirty="0" smtClean="0"/>
-              <a:t>when the working model is correct.</a:t>
-            </a:r>
             <a:endParaRPr lang="en-US" baseline="30000" dirty="0" smtClean="0"/>
           </a:p>
         </p:txBody>
@@ -7846,20 +7884,20 @@
           <p:nvPr>
             <p:extLst>
               <p:ext uri="{D42A27DB-BD31-4B8C-83A1-F6EECF244321}">
-                <p14:modId xmlns:p14="http://schemas.microsoft.com/office/powerpoint/2010/main" val="609854746"/>
+                <p14:modId xmlns:p14="http://schemas.microsoft.com/office/powerpoint/2010/main" val="764122469"/>
               </p:ext>
             </p:extLst>
           </p:nvPr>
         </p:nvGraphicFramePr>
         <p:xfrm>
-          <a:off x="1219200" y="2851150"/>
+          <a:off x="914400" y="4664092"/>
           <a:ext cx="5934075" cy="1035050"/>
         </p:xfrm>
         <a:graphic>
           <a:graphicData uri="http://schemas.openxmlformats.org/presentationml/2006/ole">
             <mc:AlternateContent xmlns:mc="http://schemas.openxmlformats.org/markup-compatibility/2006">
               <mc:Choice xmlns:v="urn:schemas-microsoft-com:vml" Requires="v">
-                <p:oleObj spid="_x0000_s126394" name="Equation" r:id="rId5" imgW="2768400" imgH="482400" progId="Equation.DSMT4">
+                <p:oleObj spid="_x0000_s126520" name="Equation" r:id="rId5" imgW="2768400" imgH="482400" progId="Equation.DSMT4">
                   <p:embed/>
                 </p:oleObj>
               </mc:Choice>
@@ -7880,7 +7918,7 @@
                     </p:blipFill>
                     <p:spPr>
                       <a:xfrm>
-                        <a:off x="1219200" y="2851150"/>
+                        <a:off x="914400" y="4664092"/>
                         <a:ext cx="5934075" cy="1035050"/>
                       </a:xfrm>
                       <a:prstGeom prst="rect">
@@ -7903,20 +7941,20 @@
           <p:nvPr>
             <p:extLst>
               <p:ext uri="{D42A27DB-BD31-4B8C-83A1-F6EECF244321}">
-                <p14:modId xmlns:p14="http://schemas.microsoft.com/office/powerpoint/2010/main" val="3153085287"/>
+                <p14:modId xmlns:p14="http://schemas.microsoft.com/office/powerpoint/2010/main" val="3091703560"/>
               </p:ext>
             </p:extLst>
           </p:nvPr>
         </p:nvGraphicFramePr>
         <p:xfrm>
-          <a:off x="685800" y="4496433"/>
+          <a:off x="2539999" y="3167532"/>
           <a:ext cx="2530475" cy="652462"/>
         </p:xfrm>
         <a:graphic>
           <a:graphicData uri="http://schemas.openxmlformats.org/presentationml/2006/ole">
             <mc:AlternateContent xmlns:mc="http://schemas.openxmlformats.org/markup-compatibility/2006">
               <mc:Choice xmlns:v="urn:schemas-microsoft-com:vml" Requires="v">
-                <p:oleObj spid="_x0000_s126395" name="Equation" r:id="rId7" imgW="1180800" imgH="304560" progId="Equation.DSMT4">
+                <p:oleObj spid="_x0000_s126521" name="Equation" r:id="rId7" imgW="1180800" imgH="304560" progId="Equation.DSMT4">
                   <p:embed/>
                 </p:oleObj>
               </mc:Choice>
@@ -7937,7 +7975,7 @@
                     </p:blipFill>
                     <p:spPr>
                       <a:xfrm>
-                        <a:off x="685800" y="4496433"/>
+                        <a:off x="2539999" y="3167532"/>
                         <a:ext cx="2530475" cy="652462"/>
                       </a:xfrm>
                       <a:prstGeom prst="rect">
@@ -7997,7 +8035,7 @@
                                         <p:tgtEl>
                                           <p:spTgt spid="6">
                                             <p:txEl>
-                                              <p:pRg st="1" end="1"/>
+                                              <p:pRg st="2" end="2"/>
                                             </p:txEl>
                                           </p:spTgt>
                                         </p:tgtEl>
@@ -8026,33 +8064,6 @@
                                           </p:stCondLst>
                                         </p:cTn>
                                         <p:tgtEl>
-                                          <p:spTgt spid="8"/>
-                                        </p:tgtEl>
-                                        <p:attrNameLst>
-                                          <p:attrName>style.visibility</p:attrName>
-                                        </p:attrNameLst>
-                                      </p:cBhvr>
-                                      <p:to>
-                                        <p:strVal val="visible"/>
-                                      </p:to>
-                                    </p:set>
-                                  </p:childTnLst>
-                                </p:cTn>
-                              </p:par>
-                              <p:par>
-                                <p:cTn id="9" presetID="1" presetClass="entr" presetSubtype="0" fill="hold" nodeType="withEffect">
-                                  <p:stCondLst>
-                                    <p:cond delay="0"/>
-                                  </p:stCondLst>
-                                  <p:childTnLst>
-                                    <p:set>
-                                      <p:cBhvr>
-                                        <p:cTn id="10" dur="1" fill="hold">
-                                          <p:stCondLst>
-                                            <p:cond delay="0"/>
-                                          </p:stCondLst>
-                                        </p:cTn>
-                                        <p:tgtEl>
                                           <p:spTgt spid="11"/>
                                         </p:tgtEl>
                                         <p:attrNameLst>
@@ -8073,19 +8084,50 @@
                     </p:cTn>
                   </p:par>
                   <p:par>
-                    <p:cTn id="11" fill="hold">
+                    <p:cTn id="9" fill="hold">
                       <p:stCondLst>
                         <p:cond delay="indefinite"/>
                       </p:stCondLst>
                       <p:childTnLst>
                         <p:par>
-                          <p:cTn id="12" fill="hold">
+                          <p:cTn id="10" fill="hold">
                             <p:stCondLst>
                               <p:cond delay="0"/>
                             </p:stCondLst>
                             <p:childTnLst>
                               <p:par>
-                                <p:cTn id="13" presetID="1" presetClass="entr" presetSubtype="0" fill="hold" nodeType="clickEffect">
+                                <p:cTn id="11" presetID="1" presetClass="entr" presetSubtype="0" fill="hold" grpId="0" nodeType="clickEffect">
+                                  <p:stCondLst>
+                                    <p:cond delay="0"/>
+                                  </p:stCondLst>
+                                  <p:childTnLst>
+                                    <p:set>
+                                      <p:cBhvr>
+                                        <p:cTn id="12" dur="1" fill="hold">
+                                          <p:stCondLst>
+                                            <p:cond delay="0"/>
+                                          </p:stCondLst>
+                                        </p:cTn>
+                                        <p:tgtEl>
+                                          <p:spTgt spid="6">
+                                            <p:txEl>
+                                              <p:pRg st="6" end="6"/>
+                                            </p:txEl>
+                                          </p:spTgt>
+                                        </p:tgtEl>
+                                        <p:attrNameLst>
+                                          <p:attrName>style.visibility</p:attrName>
+                                        </p:attrNameLst>
+                                      </p:cBhvr>
+                                      <p:to>
+                                        <p:strVal val="visible"/>
+                                      </p:to>
+                                    </p:set>
+                                  </p:childTnLst>
+                                </p:cTn>
+                              </p:par>
+                              <p:par>
+                                <p:cTn id="13" presetID="1" presetClass="entr" presetSubtype="0" fill="hold" nodeType="withEffect">
                                   <p:stCondLst>
                                     <p:cond delay="0"/>
                                   </p:stCondLst>
@@ -8093,6 +8135,51 @@
                                     <p:set>
                                       <p:cBhvr>
                                         <p:cTn id="14" dur="1" fill="hold">
+                                          <p:stCondLst>
+                                            <p:cond delay="0"/>
+                                          </p:stCondLst>
+                                        </p:cTn>
+                                        <p:tgtEl>
+                                          <p:spTgt spid="8"/>
+                                        </p:tgtEl>
+                                        <p:attrNameLst>
+                                          <p:attrName>style.visibility</p:attrName>
+                                        </p:attrNameLst>
+                                      </p:cBhvr>
+                                      <p:to>
+                                        <p:strVal val="visible"/>
+                                      </p:to>
+                                    </p:set>
+                                  </p:childTnLst>
+                                </p:cTn>
+                              </p:par>
+                            </p:childTnLst>
+                          </p:cTn>
+                        </p:par>
+                      </p:childTnLst>
+                    </p:cTn>
+                  </p:par>
+                  <p:par>
+                    <p:cTn id="15" fill="hold">
+                      <p:stCondLst>
+                        <p:cond delay="indefinite"/>
+                      </p:stCondLst>
+                      <p:childTnLst>
+                        <p:par>
+                          <p:cTn id="16" fill="hold">
+                            <p:stCondLst>
+                              <p:cond delay="0"/>
+                            </p:stCondLst>
+                            <p:childTnLst>
+                              <p:par>
+                                <p:cTn id="17" presetID="1" presetClass="entr" presetSubtype="0" fill="hold" nodeType="clickEffect">
+                                  <p:stCondLst>
+                                    <p:cond delay="0"/>
+                                  </p:stCondLst>
+                                  <p:childTnLst>
+                                    <p:set>
+                                      <p:cBhvr>
+                                        <p:cTn id="18" dur="1" fill="hold">
                                           <p:stCondLst>
                                             <p:cond delay="0"/>
                                           </p:stCondLst>
@@ -8276,15 +8363,15 @@
               <a:t>“Working independence”, with </a:t>
             </a:r>
             <a:r>
-              <a:rPr lang="el-GR" b="1" dirty="0"/>
-              <a:t>Σ</a:t>
-            </a:r>
-            <a:r>
-              <a:rPr lang="en-US" i="1" baseline="-25000" dirty="0"/>
+              <a:rPr lang="el-GR" b="1" dirty="0" smtClean="0"/>
+              <a:t>Φ</a:t>
+            </a:r>
+            <a:r>
+              <a:rPr lang="en-US" i="1" baseline="-25000" dirty="0" smtClean="0"/>
               <a:t>j</a:t>
             </a:r>
             <a:r>
-              <a:rPr lang="en-US" dirty="0"/>
+              <a:rPr lang="en-US" dirty="0" smtClean="0"/>
               <a:t> </a:t>
             </a:r>
             <a:r>
@@ -8327,18 +8414,9 @@
             <a:endParaRPr lang="en-US" dirty="0"/>
           </a:p>
           <a:p>
-            <a:pPr lvl="1"/>
-            <a:r>
-              <a:rPr lang="en-US" dirty="0" smtClean="0"/>
-              <a:t>Remarkably, the working model doesn’t </a:t>
-            </a:r>
-            <a:r>
-              <a:rPr lang="en-US" dirty="0" smtClean="0"/>
-              <a:t>matter </a:t>
-            </a:r>
-            <a:r>
-              <a:rPr lang="en-US" dirty="0" smtClean="0"/>
-              <a:t>much.</a:t>
+            <a:r>
+              <a:rPr lang="en-US" dirty="0" smtClean="0"/>
+              <a:t>Remarkably, the working model doesn’t matter much.</a:t>
             </a:r>
           </a:p>
           <a:p>
@@ -8375,7 +8453,7 @@
           <a:graphicData uri="http://schemas.openxmlformats.org/presentationml/2006/ole">
             <mc:AlternateContent xmlns:mc="http://schemas.openxmlformats.org/markup-compatibility/2006">
               <mc:Choice xmlns:v="urn:schemas-microsoft-com:vml" Requires="v">
-                <p:oleObj spid="_x0000_s136354" name="Equation" r:id="rId5" imgW="1841400" imgH="393480" progId="Equation.DSMT4">
+                <p:oleObj spid="_x0000_s136480" name="Equation" r:id="rId5" imgW="1841400" imgH="393480" progId="Equation.DSMT4">
                   <p:embed/>
                 </p:oleObj>
               </mc:Choice>
@@ -8419,25 +8497,25 @@
           <p:nvPr>
             <p:extLst>
               <p:ext uri="{D42A27DB-BD31-4B8C-83A1-F6EECF244321}">
-                <p14:modId xmlns:p14="http://schemas.microsoft.com/office/powerpoint/2010/main" val="3470827490"/>
+                <p14:modId xmlns:p14="http://schemas.microsoft.com/office/powerpoint/2010/main" val="2853580065"/>
               </p:ext>
             </p:extLst>
           </p:nvPr>
         </p:nvGraphicFramePr>
         <p:xfrm>
-          <a:off x="2438400" y="3379311"/>
-          <a:ext cx="2821940" cy="534353"/>
+          <a:off x="2425700" y="3379788"/>
+          <a:ext cx="2849563" cy="533400"/>
         </p:xfrm>
         <a:graphic>
           <a:graphicData uri="http://schemas.openxmlformats.org/presentationml/2006/ole">
             <mc:AlternateContent xmlns:mc="http://schemas.openxmlformats.org/markup-compatibility/2006">
               <mc:Choice xmlns:v="urn:schemas-microsoft-com:vml" Requires="v">
-                <p:oleObj spid="_x0000_s136355" name="Equation" r:id="rId7" imgW="1333440" imgH="253800" progId="Equation.DSMT4">
+                <p:oleObj spid="_x0000_s136481" name="Equation" r:id="rId7" imgW="1346040" imgH="253800" progId="Equation.DSMT4">
                   <p:embed/>
                 </p:oleObj>
               </mc:Choice>
               <mc:Fallback>
-                <p:oleObj name="Equation" r:id="rId7" imgW="1333440" imgH="253800" progId="Equation.DSMT4">
+                <p:oleObj name="Equation" r:id="rId7" imgW="1346040" imgH="253800" progId="Equation.DSMT4">
                   <p:embed/>
                   <p:pic>
                     <p:nvPicPr>
@@ -8453,8 +8531,8 @@
                     </p:blipFill>
                     <p:spPr>
                       <a:xfrm>
-                        <a:off x="2438400" y="3379311"/>
-                        <a:ext cx="2821940" cy="534353"/>
+                        <a:off x="2425700" y="3379788"/>
+                        <a:ext cx="2849563" cy="533400"/>
                       </a:xfrm>
                       <a:prstGeom prst="rect">
                         <a:avLst/>
@@ -8680,15 +8758,33 @@
                                   </p:childTnLst>
                                 </p:cTn>
                               </p:par>
+                            </p:childTnLst>
+                          </p:cTn>
+                        </p:par>
+                      </p:childTnLst>
+                    </p:cTn>
+                  </p:par>
+                  <p:par>
+                    <p:cTn id="19" fill="hold">
+                      <p:stCondLst>
+                        <p:cond delay="indefinite"/>
+                      </p:stCondLst>
+                      <p:childTnLst>
+                        <p:par>
+                          <p:cTn id="20" fill="hold">
+                            <p:stCondLst>
+                              <p:cond delay="0"/>
+                            </p:stCondLst>
+                            <p:childTnLst>
                               <p:par>
-                                <p:cTn id="19" presetID="1" presetClass="entr" presetSubtype="0" fill="hold" grpId="0" nodeType="withEffect">
+                                <p:cTn id="21" presetID="1" presetClass="entr" presetSubtype="0" fill="hold" grpId="0" nodeType="clickEffect">
                                   <p:stCondLst>
                                     <p:cond delay="0"/>
                                   </p:stCondLst>
                                   <p:childTnLst>
                                     <p:set>
                                       <p:cBhvr>
-                                        <p:cTn id="20" dur="1" fill="hold">
+                                        <p:cTn id="22" dur="1" fill="hold">
                                           <p:stCondLst>
                                             <p:cond delay="0"/>
                                           </p:stCondLst>
@@ -8712,14 +8808,14 @@
                                 </p:cTn>
                               </p:par>
                               <p:par>
-                                <p:cTn id="21" presetID="1" presetClass="entr" presetSubtype="0" fill="hold" grpId="0" nodeType="withEffect">
+                                <p:cTn id="23" presetID="1" presetClass="entr" presetSubtype="0" fill="hold" grpId="0" nodeType="withEffect">
                                   <p:stCondLst>
                                     <p:cond delay="0"/>
                                   </p:stCondLst>
                                   <p:childTnLst>
                                     <p:set>
                                       <p:cBhvr>
-                                        <p:cTn id="22" dur="1" fill="hold">
+                                        <p:cTn id="24" dur="1" fill="hold">
                                           <p:stCondLst>
                                             <p:cond delay="0"/>
                                           </p:stCondLst>
@@ -8873,13 +8969,8 @@
             </a:r>
             <a:r>
               <a:rPr lang="en-US" dirty="0" smtClean="0"/>
-              <a:t> in robust t and F statistics, </a:t>
-            </a:r>
-            <a:r>
-              <a:rPr lang="en-US" dirty="0" smtClean="0"/>
-              <a:t>but…</a:t>
-            </a:r>
-            <a:endParaRPr lang="en-US" dirty="0" smtClean="0"/>
+              <a:t> in robust t and F statistics, but…</a:t>
+            </a:r>
           </a:p>
           <a:p>
             <a:pPr lvl="1"/>
@@ -8909,7 +9000,15 @@
             </a:r>
             <a:r>
               <a:rPr lang="en-US" dirty="0" smtClean="0"/>
-              <a:t>) reference distribution, where</a:t>
+              <a:t>) reference distribution, </a:t>
+            </a:r>
+            <a:r>
+              <a:rPr lang="en-US" dirty="0" smtClean="0"/>
+              <a:t>with Satterthwaite degrees of freedom</a:t>
+            </a:r>
+            <a:r>
+              <a:rPr lang="en-US" dirty="0" smtClean="0"/>
+              <a:t/>
             </a:r>
             <a:br>
               <a:rPr lang="en-US" dirty="0" smtClean="0"/>
@@ -8964,7 +9063,7 @@
           <a:graphicData uri="http://schemas.openxmlformats.org/presentationml/2006/ole">
             <mc:AlternateContent xmlns:mc="http://schemas.openxmlformats.org/markup-compatibility/2006">
               <mc:Choice xmlns:v="urn:schemas-microsoft-com:vml" Requires="v">
-                <p:oleObj spid="_x0000_s137283" name="Equation" r:id="rId4" imgW="1739880" imgH="330120" progId="Equation.DSMT4">
+                <p:oleObj spid="_x0000_s137346" name="Equation" r:id="rId4" imgW="1739880" imgH="330120" progId="Equation.DSMT4">
                   <p:embed/>
                 </p:oleObj>
               </mc:Choice>
@@ -10134,7 +10233,7 @@
           <a:graphicData uri="http://schemas.openxmlformats.org/presentationml/2006/ole">
             <mc:AlternateContent xmlns:mc="http://schemas.openxmlformats.org/markup-compatibility/2006">
               <mc:Choice xmlns:v="urn:schemas-microsoft-com:vml" Requires="v">
-                <p:oleObj spid="_x0000_s141370" name="Equation" r:id="rId4" imgW="2425680" imgH="685800" progId="Equation.DSMT4">
+                <p:oleObj spid="_x0000_s141433" name="Equation" r:id="rId4" imgW="2425680" imgH="685800" progId="Equation.DSMT4">
                   <p:embed/>
                 </p:oleObj>
               </mc:Choice>
@@ -10534,6 +10633,86 @@
           </a:prstGeom>
         </p:spPr>
       </p:pic>
+      <p:pic>
+        <p:nvPicPr>
+          <p:cNvPr id="5" name="Picture 2" descr="http://media.salon.com/2015/06/donald_trump_golf.jpg"/>
+          <p:cNvPicPr>
+            <a:picLocks noChangeAspect="1" noChangeArrowheads="1"/>
+          </p:cNvPicPr>
+          <p:nvPr/>
+        </p:nvPicPr>
+        <p:blipFill rotWithShape="1">
+          <a:blip r:embed="rId4" cstate="print">
+            <a:extLst>
+              <a:ext uri="{28A0092B-C50C-407E-A947-70E740481C1C}">
+                <a14:useLocalDpi xmlns:a14="http://schemas.microsoft.com/office/drawing/2010/main" val="0"/>
+              </a:ext>
+            </a:extLst>
+          </a:blip>
+          <a:srcRect r="25423" b="16202"/>
+          <a:stretch/>
+        </p:blipFill>
+        <p:spPr bwMode="auto">
+          <a:xfrm>
+            <a:off x="7010400" y="1524000"/>
+            <a:ext cx="1734857" cy="1295400"/>
+          </a:xfrm>
+          <a:prstGeom prst="rect">
+            <a:avLst/>
+          </a:prstGeom>
+          <a:noFill/>
+          <a:extLst>
+            <a:ext uri="{909E8E84-426E-40DD-AFC4-6F175D3DCCD1}">
+              <a14:hiddenFill xmlns:a14="http://schemas.microsoft.com/office/drawing/2010/main">
+                <a:solidFill>
+                  <a:srgbClr val="FFFFFF"/>
+                </a:solidFill>
+              </a14:hiddenFill>
+            </a:ext>
+          </a:extLst>
+        </p:spPr>
+      </p:pic>
+      <p:pic>
+        <p:nvPicPr>
+          <p:cNvPr id="144386" name="Picture 2" descr="http://mediad.publicbroadcasting.net/p/shared/npr/201404/304202838.jpg"/>
+          <p:cNvPicPr>
+            <a:picLocks noChangeAspect="1" noChangeArrowheads="1"/>
+          </p:cNvPicPr>
+          <p:nvPr/>
+        </p:nvPicPr>
+        <p:blipFill>
+          <a:blip r:embed="rId5" cstate="print">
+            <a:extLst>
+              <a:ext uri="{28A0092B-C50C-407E-A947-70E740481C1C}">
+                <a14:useLocalDpi xmlns:a14="http://schemas.microsoft.com/office/drawing/2010/main" val="0"/>
+              </a:ext>
+            </a:extLst>
+          </a:blip>
+          <a:srcRect/>
+          <a:stretch>
+            <a:fillRect/>
+          </a:stretch>
+        </p:blipFill>
+        <p:spPr bwMode="auto">
+          <a:xfrm>
+            <a:off x="6968644" y="5226518"/>
+            <a:ext cx="1751806" cy="1312395"/>
+          </a:xfrm>
+          <a:prstGeom prst="rect">
+            <a:avLst/>
+          </a:prstGeom>
+          <a:noFill/>
+          <a:extLst>
+            <a:ext uri="{909E8E84-426E-40DD-AFC4-6F175D3DCCD1}">
+              <a14:hiddenFill xmlns:a14="http://schemas.microsoft.com/office/drawing/2010/main">
+                <a:solidFill>
+                  <a:srgbClr val="FFFFFF"/>
+                </a:solidFill>
+              </a14:hiddenFill>
+            </a:ext>
+          </a:extLst>
+        </p:spPr>
+      </p:pic>
     </p:spTree>
     <p:extLst>
       <p:ext uri="{BB962C8B-B14F-4D97-AF65-F5344CB8AC3E}">
@@ -10547,7 +10726,120 @@
   <p:timing>
     <p:tnLst>
       <p:par>
-        <p:cTn id="1" dur="indefinite" restart="never" nodeType="tmRoot"/>
+        <p:cTn id="1" dur="indefinite" restart="never" nodeType="tmRoot">
+          <p:childTnLst>
+            <p:seq concurrent="1" nextAc="seek">
+              <p:cTn id="2" dur="indefinite" nodeType="mainSeq">
+                <p:childTnLst>
+                  <p:par>
+                    <p:cTn id="3" fill="hold">
+                      <p:stCondLst>
+                        <p:cond delay="indefinite"/>
+                      </p:stCondLst>
+                      <p:childTnLst>
+                        <p:par>
+                          <p:cTn id="4" fill="hold">
+                            <p:stCondLst>
+                              <p:cond delay="0"/>
+                            </p:stCondLst>
+                            <p:childTnLst>
+                              <p:par>
+                                <p:cTn id="5" presetID="1" presetClass="entr" presetSubtype="0" fill="hold" nodeType="clickEffect">
+                                  <p:stCondLst>
+                                    <p:cond delay="0"/>
+                                  </p:stCondLst>
+                                  <p:childTnLst>
+                                    <p:set>
+                                      <p:cBhvr>
+                                        <p:cTn id="6" dur="1" fill="hold">
+                                          <p:stCondLst>
+                                            <p:cond delay="0"/>
+                                          </p:stCondLst>
+                                        </p:cTn>
+                                        <p:tgtEl>
+                                          <p:spTgt spid="5"/>
+                                        </p:tgtEl>
+                                        <p:attrNameLst>
+                                          <p:attrName>style.visibility</p:attrName>
+                                        </p:attrNameLst>
+                                      </p:cBhvr>
+                                      <p:to>
+                                        <p:strVal val="visible"/>
+                                      </p:to>
+                                    </p:set>
+                                  </p:childTnLst>
+                                </p:cTn>
+                              </p:par>
+                            </p:childTnLst>
+                          </p:cTn>
+                        </p:par>
+                      </p:childTnLst>
+                    </p:cTn>
+                  </p:par>
+                  <p:par>
+                    <p:cTn id="7" fill="hold">
+                      <p:stCondLst>
+                        <p:cond delay="indefinite"/>
+                      </p:stCondLst>
+                      <p:childTnLst>
+                        <p:par>
+                          <p:cTn id="8" fill="hold">
+                            <p:stCondLst>
+                              <p:cond delay="0"/>
+                            </p:stCondLst>
+                            <p:childTnLst>
+                              <p:par>
+                                <p:cTn id="9" presetID="1" presetClass="entr" presetSubtype="0" fill="hold" nodeType="clickEffect">
+                                  <p:stCondLst>
+                                    <p:cond delay="0"/>
+                                  </p:stCondLst>
+                                  <p:childTnLst>
+                                    <p:set>
+                                      <p:cBhvr>
+                                        <p:cTn id="10" dur="1" fill="hold">
+                                          <p:stCondLst>
+                                            <p:cond delay="0"/>
+                                          </p:stCondLst>
+                                        </p:cTn>
+                                        <p:tgtEl>
+                                          <p:spTgt spid="144386"/>
+                                        </p:tgtEl>
+                                        <p:attrNameLst>
+                                          <p:attrName>style.visibility</p:attrName>
+                                        </p:attrNameLst>
+                                      </p:cBhvr>
+                                      <p:to>
+                                        <p:strVal val="visible"/>
+                                      </p:to>
+                                    </p:set>
+                                  </p:childTnLst>
+                                </p:cTn>
+                              </p:par>
+                            </p:childTnLst>
+                          </p:cTn>
+                        </p:par>
+                      </p:childTnLst>
+                    </p:cTn>
+                  </p:par>
+                </p:childTnLst>
+              </p:cTn>
+              <p:prevCondLst>
+                <p:cond evt="onPrev" delay="0">
+                  <p:tgtEl>
+                    <p:sldTgt/>
+                  </p:tgtEl>
+                </p:cond>
+              </p:prevCondLst>
+              <p:nextCondLst>
+                <p:cond evt="onNext" delay="0">
+                  <p:tgtEl>
+                    <p:sldTgt/>
+                  </p:tgtEl>
+                </p:cond>
+              </p:nextCondLst>
+            </p:seq>
+          </p:childTnLst>
+        </p:cTn>
       </p:par>
     </p:tnLst>
   </p:timing>
@@ -10589,10 +10881,9 @@
           <a:lstStyle/>
           <a:p>
             <a:r>
-              <a:rPr lang="en-US" sz="3600" dirty="0" smtClean="0"/>
-              <a:t>Motivation:</a:t>
-            </a:r>
-            <a:endParaRPr lang="en-US" sz="3600" dirty="0"/>
+              <a:rPr lang="en-US" sz="3600" dirty="0"/>
+              <a:t>Regression with dependent errors</a:t>
+            </a:r>
           </a:p>
         </p:txBody>
       </p:sp>
@@ -10637,27 +10928,45 @@
         </p:spPr>
         <p:txBody>
           <a:bodyPr>
-            <a:normAutofit/>
+            <a:normAutofit lnSpcReduction="10000"/>
           </a:bodyPr>
           <a:lstStyle/>
           <a:p>
-            <a:pPr marL="0" indent="0">
-              <a:buNone/>
-            </a:pPr>
+            <a:r>
+              <a:rPr lang="en-US" dirty="0" smtClean="0"/>
+              <a:t>Analysis </a:t>
+            </a:r>
+            <a:r>
+              <a:rPr lang="en-US" dirty="0" smtClean="0"/>
+              <a:t>of multi-stage sample </a:t>
+            </a:r>
+            <a:r>
+              <a:rPr lang="en-US" dirty="0" smtClean="0"/>
+              <a:t>surveys</a:t>
+            </a:r>
+          </a:p>
+          <a:p>
+            <a:pPr lvl="1"/>
             <a:r>
               <a:rPr lang="en-US" dirty="0"/>
-              <a:t>Linear regression with dependent </a:t>
-            </a:r>
-            <a:r>
-              <a:rPr lang="en-US" dirty="0" smtClean="0"/>
-              <a:t>errors</a:t>
-            </a:r>
-          </a:p>
-          <a:p>
-            <a:r>
-              <a:rPr lang="en-US" dirty="0" smtClean="0"/>
-              <a:t>Analysis of multi-stage sample surveys</a:t>
-            </a:r>
+              <a:t>Blanchard &amp; Muller (2015</a:t>
+            </a:r>
+            <a:r>
+              <a:rPr lang="en-US" dirty="0" smtClean="0"/>
+              <a:t>) use ELS:2002 to study the influence of teachers’ perceptions of immigrant/language-minority students on student academic outcomes.</a:t>
+            </a:r>
+            <a:endParaRPr lang="en-US" dirty="0"/>
+          </a:p>
+          <a:p>
+            <a:pPr lvl="1"/>
+            <a:r>
+              <a:rPr lang="en-US" dirty="0" smtClean="0"/>
+              <a:t>Cavanagh, Schiller, &amp; Riegle-Crumb (2006) use Add Health to study the relationship between family structure and adolescents’ academic status.</a:t>
+            </a:r>
+          </a:p>
+          <a:p>
+            <a:pPr lvl="1"/>
+            <a:endParaRPr lang="en-US" dirty="0" smtClean="0"/>
           </a:p>
           <a:p>
             <a:r>
@@ -10666,10 +10975,64 @@
             </a:r>
           </a:p>
           <a:p>
-            <a:r>
-              <a:rPr lang="en-US" dirty="0" smtClean="0"/>
-              <a:t>Longitudinal panel data</a:t>
-            </a:r>
+            <a:pPr lvl="1"/>
+            <a:r>
+              <a:rPr lang="en-US" dirty="0" err="1" smtClean="0"/>
+              <a:t>Burde</a:t>
+            </a:r>
+            <a:r>
+              <a:rPr lang="en-US" dirty="0" smtClean="0"/>
+              <a:t> &amp; Linden (2012) studied </a:t>
+            </a:r>
+            <a:r>
+              <a:rPr lang="en-US" dirty="0" smtClean="0"/>
+              <a:t>effects of village-based schools in Afghanistan by </a:t>
+            </a:r>
+            <a:r>
+              <a:rPr lang="en-US" dirty="0" smtClean="0"/>
+              <a:t>randomizing 31 villages, surveying families.</a:t>
+            </a:r>
+          </a:p>
+          <a:p>
+            <a:pPr lvl="1"/>
+            <a:endParaRPr lang="en-US" dirty="0" smtClean="0"/>
+          </a:p>
+          <a:p>
+            <a:r>
+              <a:rPr lang="en-US" dirty="0" smtClean="0"/>
+              <a:t>Longitudinal </a:t>
+            </a:r>
+            <a:r>
+              <a:rPr lang="en-US" dirty="0" smtClean="0"/>
+              <a:t>panel </a:t>
+            </a:r>
+            <a:r>
+              <a:rPr lang="en-US" dirty="0" smtClean="0"/>
+              <a:t>data</a:t>
+            </a:r>
+          </a:p>
+          <a:p>
+            <a:pPr lvl="1"/>
+            <a:r>
+              <a:rPr lang="en-US" dirty="0" smtClean="0"/>
+              <a:t>Abrevaya &amp; </a:t>
+            </a:r>
+            <a:r>
+              <a:rPr lang="en-US" dirty="0" err="1" smtClean="0"/>
+              <a:t>Puzzello</a:t>
+            </a:r>
+            <a:r>
+              <a:rPr lang="en-US" dirty="0" smtClean="0"/>
+              <a:t> (2012) examined effects of cigarette taxes on consumption, nicotine intake, and smoking intensity using NHANES III.</a:t>
+            </a:r>
+          </a:p>
+          <a:p>
+            <a:pPr lvl="1"/>
+            <a:r>
+              <a:rPr lang="en-US" dirty="0" smtClean="0"/>
+              <a:t>Effects identified by state-level changes in tax rates over time. Data include 26 states.</a:t>
+            </a:r>
+            <a:endParaRPr lang="en-US" dirty="0" smtClean="0"/>
           </a:p>
         </p:txBody>
       </p:sp>
@@ -10734,26 +11097,39 @@
                                   </p:childTnLst>
                                 </p:cTn>
                               </p:par>
-                            </p:childTnLst>
-                          </p:cTn>
-                        </p:par>
-                      </p:childTnLst>
-                    </p:cTn>
-                  </p:par>
-                  <p:par>
-                    <p:cTn id="7" fill="hold">
-                      <p:stCondLst>
-                        <p:cond delay="indefinite"/>
-                      </p:stCondLst>
-                      <p:childTnLst>
-                        <p:par>
-                          <p:cTn id="8" fill="hold">
-                            <p:stCondLst>
-                              <p:cond delay="0"/>
-                            </p:stCondLst>
-                            <p:childTnLst>
                               <p:par>
-                                <p:cTn id="9" presetID="1" presetClass="entr" presetSubtype="0" fill="hold" grpId="0" nodeType="clickEffect">
+                                <p:cTn id="7" presetID="1" presetClass="entr" presetSubtype="0" fill="hold" grpId="0" nodeType="withEffect">
+                                  <p:stCondLst>
+                                    <p:cond delay="0"/>
+                                  </p:stCondLst>
+                                  <p:childTnLst>
+                                    <p:set>
+                                      <p:cBhvr>
+                                        <p:cTn id="8" dur="1" fill="hold">
+                                          <p:stCondLst>
+                                            <p:cond delay="0"/>
+                                          </p:stCondLst>
+                                        </p:cTn>
+                                        <p:tgtEl>
+                                          <p:spTgt spid="9">
+                                            <p:txEl>
+                                              <p:pRg st="1" end="1"/>
+                                            </p:txEl>
+                                          </p:spTgt>
+                                        </p:tgtEl>
+                                        <p:attrNameLst>
+                                          <p:attrName>style.visibility</p:attrName>
+                                        </p:attrNameLst>
+                                      </p:cBhvr>
+                                      <p:to>
+                                        <p:strVal val="visible"/>
+                                      </p:to>
+                                    </p:set>
+                                  </p:childTnLst>
+                                </p:cTn>
+                              </p:par>
+                              <p:par>
+                                <p:cTn id="9" presetID="1" presetClass="entr" presetSubtype="0" fill="hold" grpId="0" nodeType="withEffect">
                                   <p:stCondLst>
                                     <p:cond delay="0"/>
                                   </p:stCondLst>
@@ -10768,7 +11144,7 @@
                                         <p:tgtEl>
                                           <p:spTgt spid="9">
                                             <p:txEl>
-                                              <p:pRg st="1" end="1"/>
+                                              <p:pRg st="2" end="2"/>
                                             </p:txEl>
                                           </p:spTgt>
                                         </p:tgtEl>
@@ -10817,7 +11193,38 @@
                                         <p:tgtEl>
                                           <p:spTgt spid="9">
                                             <p:txEl>
-                                              <p:pRg st="2" end="2"/>
+                                              <p:pRg st="4" end="4"/>
+                                            </p:txEl>
+                                          </p:spTgt>
+                                        </p:tgtEl>
+                                        <p:attrNameLst>
+                                          <p:attrName>style.visibility</p:attrName>
+                                        </p:attrNameLst>
+                                      </p:cBhvr>
+                                      <p:to>
+                                        <p:strVal val="visible"/>
+                                      </p:to>
+                                    </p:set>
+                                  </p:childTnLst>
+                                </p:cTn>
+                              </p:par>
+                              <p:par>
+                                <p:cTn id="15" presetID="1" presetClass="entr" presetSubtype="0" fill="hold" grpId="0" nodeType="withEffect">
+                                  <p:stCondLst>
+                                    <p:cond delay="0"/>
+                                  </p:stCondLst>
+                                  <p:childTnLst>
+                                    <p:set>
+                                      <p:cBhvr>
+                                        <p:cTn id="16" dur="1" fill="hold">
+                                          <p:stCondLst>
+                                            <p:cond delay="0"/>
+                                          </p:stCondLst>
+                                        </p:cTn>
+                                        <p:tgtEl>
+                                          <p:spTgt spid="9">
+                                            <p:txEl>
+                                              <p:pRg st="5" end="5"/>
                                             </p:txEl>
                                           </p:spTgt>
                                         </p:tgtEl>
@@ -10839,26 +11246,26 @@
                     </p:cTn>
                   </p:par>
                   <p:par>
-                    <p:cTn id="15" fill="hold">
+                    <p:cTn id="17" fill="hold">
                       <p:stCondLst>
                         <p:cond delay="indefinite"/>
                       </p:stCondLst>
                       <p:childTnLst>
                         <p:par>
-                          <p:cTn id="16" fill="hold">
+                          <p:cTn id="18" fill="hold">
                             <p:stCondLst>
                               <p:cond delay="0"/>
                             </p:stCondLst>
                             <p:childTnLst>
                               <p:par>
-                                <p:cTn id="17" presetID="1" presetClass="entr" presetSubtype="0" fill="hold" grpId="0" nodeType="clickEffect">
+                                <p:cTn id="19" presetID="1" presetClass="entr" presetSubtype="0" fill="hold" grpId="0" nodeType="clickEffect">
                                   <p:stCondLst>
                                     <p:cond delay="0"/>
                                   </p:stCondLst>
                                   <p:childTnLst>
                                     <p:set>
                                       <p:cBhvr>
-                                        <p:cTn id="18" dur="1" fill="hold">
+                                        <p:cTn id="20" dur="1" fill="hold">
                                           <p:stCondLst>
                                             <p:cond delay="0"/>
                                           </p:stCondLst>
@@ -10866,7 +11273,69 @@
                                         <p:tgtEl>
                                           <p:spTgt spid="9">
                                             <p:txEl>
-                                              <p:pRg st="3" end="3"/>
+                                              <p:pRg st="7" end="7"/>
+                                            </p:txEl>
+                                          </p:spTgt>
+                                        </p:tgtEl>
+                                        <p:attrNameLst>
+                                          <p:attrName>style.visibility</p:attrName>
+                                        </p:attrNameLst>
+                                      </p:cBhvr>
+                                      <p:to>
+                                        <p:strVal val="visible"/>
+                                      </p:to>
+                                    </p:set>
+                                  </p:childTnLst>
+                                </p:cTn>
+                              </p:par>
+                              <p:par>
+                                <p:cTn id="21" presetID="1" presetClass="entr" presetSubtype="0" fill="hold" grpId="0" nodeType="withEffect">
+                                  <p:stCondLst>
+                                    <p:cond delay="0"/>
+                                  </p:stCondLst>
+                                  <p:childTnLst>
+                                    <p:set>
+                                      <p:cBhvr>
+                                        <p:cTn id="22" dur="1" fill="hold">
+                                          <p:stCondLst>
+                                            <p:cond delay="0"/>
+                                          </p:stCondLst>
+                                        </p:cTn>
+                                        <p:tgtEl>
+                                          <p:spTgt spid="9">
+                                            <p:txEl>
+                                              <p:pRg st="8" end="8"/>
+                                            </p:txEl>
+                                          </p:spTgt>
+                                        </p:tgtEl>
+                                        <p:attrNameLst>
+                                          <p:attrName>style.visibility</p:attrName>
+                                        </p:attrNameLst>
+                                      </p:cBhvr>
+                                      <p:to>
+                                        <p:strVal val="visible"/>
+                                      </p:to>
+                                    </p:set>
+                                  </p:childTnLst>
+                                </p:cTn>
+                              </p:par>
+                              <p:par>
+                                <p:cTn id="23" presetID="1" presetClass="entr" presetSubtype="0" fill="hold" grpId="0" nodeType="withEffect">
+                                  <p:stCondLst>
+                                    <p:cond delay="0"/>
+                                  </p:stCondLst>
+                                  <p:childTnLst>
+                                    <p:set>
+                                      <p:cBhvr>
+                                        <p:cTn id="24" dur="1" fill="hold">
+                                          <p:stCondLst>
+                                            <p:cond delay="0"/>
+                                          </p:stCondLst>
+                                        </p:cTn>
+                                        <p:tgtEl>
+                                          <p:spTgt spid="9">
+                                            <p:txEl>
+                                              <p:pRg st="9" end="9"/>
                                             </p:txEl>
                                           </p:spTgt>
                                         </p:tgtEl>
@@ -10909,7 +11378,7 @@
       </p:par>
     </p:tnLst>
     <p:bldLst>
-      <p:bldP spid="9" grpId="0" build="p"/>
+      <p:bldP spid="9" grpId="0" uiExpand="1" build="p"/>
     </p:bldLst>
   </p:timing>
 </p:sld>
@@ -11700,7 +12169,7 @@
           <a:p>
             <a:r>
               <a:rPr lang="en-US" sz="3600" dirty="0" smtClean="0"/>
-              <a:t>Examples</a:t>
+              <a:t>Handling fixed effects models</a:t>
             </a:r>
             <a:endParaRPr lang="en-US" sz="3600" dirty="0"/>
           </a:p>
@@ -11724,137 +12193,6 @@
             <a:fld id="{D5B3FF5A-434C-48FB-8AB6-918D6BE80741}" type="slidenum">
               <a:rPr lang="en-US" smtClean="0"/>
               <a:t>21</a:t>
-            </a:fld>
-            <a:endParaRPr lang="en-US"/>
-          </a:p>
-        </p:txBody>
-      </p:sp>
-      <p:pic>
-        <p:nvPicPr>
-          <p:cNvPr id="6" name="Picture 2" descr="http://libroderecetas.com/files/recetas/club-sandwich.jpg"/>
-          <p:cNvPicPr>
-            <a:picLocks noChangeAspect="1" noChangeArrowheads="1"/>
-          </p:cNvPicPr>
-          <p:nvPr/>
-        </p:nvPicPr>
-        <p:blipFill>
-          <a:blip r:embed="rId3" cstate="print">
-            <a:extLst>
-              <a:ext uri="{28A0092B-C50C-407E-A947-70E740481C1C}">
-                <a14:useLocalDpi xmlns:a14="http://schemas.microsoft.com/office/drawing/2010/main" val="0"/>
-              </a:ext>
-            </a:extLst>
-          </a:blip>
-          <a:srcRect/>
-          <a:stretch>
-            <a:fillRect/>
-          </a:stretch>
-        </p:blipFill>
-        <p:spPr bwMode="auto">
-          <a:xfrm>
-            <a:off x="6781800" y="-15240"/>
-            <a:ext cx="2362200" cy="1524000"/>
-          </a:xfrm>
-          <a:prstGeom prst="rect">
-            <a:avLst/>
-          </a:prstGeom>
-          <a:noFill/>
-          <a:extLst>
-            <a:ext uri="{909E8E84-426E-40DD-AFC4-6F175D3DCCD1}">
-              <a14:hiddenFill xmlns:a14="http://schemas.microsoft.com/office/drawing/2010/main">
-                <a:solidFill>
-                  <a:srgbClr val="FFFFFF"/>
-                </a:solidFill>
-              </a14:hiddenFill>
-            </a:ext>
-          </a:extLst>
-        </p:spPr>
-      </p:pic>
-    </p:spTree>
-    <p:extLst>
-      <p:ext uri="{BB962C8B-B14F-4D97-AF65-F5344CB8AC3E}">
-        <p14:creationId xmlns:p14="http://schemas.microsoft.com/office/powerpoint/2010/main" val="914013893"/>
-      </p:ext>
-    </p:extLst>
-  </p:cSld>
-  <p:clrMapOvr>
-    <a:masterClrMapping/>
-  </p:clrMapOvr>
-  <p:timing>
-    <p:tnLst>
-      <p:par>
-        <p:cTn id="1" dur="indefinite" restart="never" nodeType="tmRoot"/>
-      </p:par>
-    </p:tnLst>
-  </p:timing>
-</p:sld>
-</file>
-
-<file path=ppt/slides/slide22.xml><?xml version="1.0" encoding="utf-8"?>
-<p:sld xmlns:a="http://schemas.openxmlformats.org/drawingml/2006/main" xmlns:r="http://schemas.openxmlformats.org/officeDocument/2006/relationships" xmlns:p="http://schemas.openxmlformats.org/presentationml/2006/main">
-  <p:cSld>
-    <p:spTree>
-      <p:nvGrpSpPr>
-        <p:cNvPr id="1" name=""/>
-        <p:cNvGrpSpPr/>
-        <p:nvPr/>
-      </p:nvGrpSpPr>
-      <p:grpSpPr>
-        <a:xfrm>
-          <a:off x="0" y="0"/>
-          <a:ext cx="0" cy="0"/>
-          <a:chOff x="0" y="0"/>
-          <a:chExt cx="0" cy="0"/>
-        </a:xfrm>
-      </p:grpSpPr>
-      <p:sp>
-        <p:nvSpPr>
-          <p:cNvPr id="2" name="Title 1"/>
-          <p:cNvSpPr>
-            <a:spLocks noGrp="1"/>
-          </p:cNvSpPr>
-          <p:nvPr>
-            <p:ph type="title"/>
-          </p:nvPr>
-        </p:nvSpPr>
-        <p:spPr>
-          <a:xfrm>
-            <a:off x="428624" y="389732"/>
-            <a:ext cx="8286750" cy="1325563"/>
-          </a:xfrm>
-        </p:spPr>
-        <p:txBody>
-          <a:bodyPr>
-            <a:normAutofit/>
-          </a:bodyPr>
-          <a:lstStyle/>
-          <a:p>
-            <a:r>
-              <a:rPr lang="en-US" sz="3600" dirty="0" smtClean="0"/>
-              <a:t>Handling fixed effects models</a:t>
-            </a:r>
-            <a:endParaRPr lang="en-US" sz="3600" dirty="0"/>
-          </a:p>
-        </p:txBody>
-      </p:sp>
-      <p:sp>
-        <p:nvSpPr>
-          <p:cNvPr id="4" name="Slide Number Placeholder 3"/>
-          <p:cNvSpPr>
-            <a:spLocks noGrp="1"/>
-          </p:cNvSpPr>
-          <p:nvPr>
-            <p:ph type="sldNum" sz="quarter" idx="12"/>
-          </p:nvPr>
-        </p:nvSpPr>
-        <p:spPr/>
-        <p:txBody>
-          <a:bodyPr/>
-          <a:lstStyle/>
-          <a:p>
-            <a:fld id="{D5B3FF5A-434C-48FB-8AB6-918D6BE80741}" type="slidenum">
-              <a:rPr lang="en-US" smtClean="0"/>
-              <a:t>22</a:t>
             </a:fld>
             <a:endParaRPr lang="en-US"/>
           </a:p>
@@ -11964,10 +12302,20 @@
             </a:r>
           </a:p>
           <a:p>
-            <a:pPr lvl="1"/>
-            <a:r>
-              <a:rPr lang="en-US" dirty="0" smtClean="0"/>
-              <a:t>We demonstrate that using the </a:t>
+            <a:endParaRPr lang="en-US" dirty="0" smtClean="0"/>
+          </a:p>
+          <a:p>
+            <a:r>
+              <a:rPr lang="en-US" dirty="0" smtClean="0"/>
+              <a:t>We </a:t>
+            </a:r>
+            <a:r>
+              <a:rPr lang="en-US" dirty="0" smtClean="0"/>
+              <a:t>demonstrate that </a:t>
+            </a:r>
+            <a:r>
+              <a:rPr lang="en-US" dirty="0" smtClean="0"/>
+              <a:t>the </a:t>
             </a:r>
             <a:r>
               <a:rPr lang="en-US" b="1" i="1" dirty="0" smtClean="0"/>
@@ -11975,8 +12323,17 @@
             </a:r>
             <a:r>
               <a:rPr lang="en-US" dirty="0" smtClean="0"/>
-              <a:t>leads to adjustment matrices that are still unbiased under working model. </a:t>
-            </a:r>
+              <a:t>can be used to construct </a:t>
+            </a:r>
+            <a:r>
+              <a:rPr lang="en-US" dirty="0" smtClean="0"/>
+              <a:t>adjustment matrices that are still unbiased </a:t>
+            </a:r>
+            <a:r>
+              <a:rPr lang="en-US" dirty="0" smtClean="0"/>
+              <a:t>under the working model.</a:t>
+            </a:r>
+            <a:endParaRPr lang="en-US" dirty="0" smtClean="0"/>
           </a:p>
         </p:txBody>
       </p:sp>
@@ -12002,7 +12359,7 @@
           <a:graphicData uri="http://schemas.openxmlformats.org/presentationml/2006/ole">
             <mc:AlternateContent xmlns:mc="http://schemas.openxmlformats.org/markup-compatibility/2006">
               <mc:Choice xmlns:v="urn:schemas-microsoft-com:vml" Requires="v">
-                <p:oleObj spid="_x0000_s143408" name="Equation" r:id="rId4" imgW="1346040" imgH="228600" progId="Equation.DSMT4">
+                <p:oleObj spid="_x0000_s143471" name="Equation" r:id="rId4" imgW="1346040" imgH="228600" progId="Equation.DSMT4">
                   <p:embed/>
                 </p:oleObj>
               </mc:Choice>
@@ -12201,43 +12558,21 @@
                                   </p:childTnLst>
                                 </p:cTn>
                               </p:par>
-                            </p:childTnLst>
-                          </p:cTn>
-                        </p:par>
-                      </p:childTnLst>
-                    </p:cTn>
-                  </p:par>
-                  <p:par>
-                    <p:cTn id="11" fill="hold">
-                      <p:stCondLst>
-                        <p:cond delay="indefinite"/>
-                      </p:stCondLst>
-                      <p:childTnLst>
-                        <p:par>
-                          <p:cTn id="12" fill="hold">
-                            <p:stCondLst>
-                              <p:cond delay="0"/>
-                            </p:stCondLst>
-                            <p:childTnLst>
                               <p:par>
-                                <p:cTn id="13" presetID="1" presetClass="entr" presetSubtype="0" fill="hold" grpId="0" nodeType="clickEffect">
+                                <p:cTn id="11" presetID="1" presetClass="entr" presetSubtype="0" fill="hold" nodeType="withEffect">
                                   <p:stCondLst>
                                     <p:cond delay="0"/>
                                   </p:stCondLst>
                                   <p:childTnLst>
                                     <p:set>
                                       <p:cBhvr>
-                                        <p:cTn id="14" dur="1" fill="hold">
+                                        <p:cTn id="12" dur="1" fill="hold">
                                           <p:stCondLst>
                                             <p:cond delay="0"/>
                                           </p:stCondLst>
                                         </p:cTn>
                                         <p:tgtEl>
-                                          <p:spTgt spid="6">
-                                            <p:txEl>
-                                              <p:pRg st="6" end="6"/>
-                                            </p:txEl>
-                                          </p:spTgt>
+                                          <p:spTgt spid="7"/>
                                         </p:tgtEl>
                                         <p:attrNameLst>
                                           <p:attrName>style.visibility</p:attrName>
@@ -12250,8 +12585,26 @@
                                   </p:childTnLst>
                                 </p:cTn>
                               </p:par>
+                            </p:childTnLst>
+                          </p:cTn>
+                        </p:par>
+                      </p:childTnLst>
+                    </p:cTn>
+                  </p:par>
+                  <p:par>
+                    <p:cTn id="13" fill="hold">
+                      <p:stCondLst>
+                        <p:cond delay="indefinite"/>
+                      </p:stCondLst>
+                      <p:childTnLst>
+                        <p:par>
+                          <p:cTn id="14" fill="hold">
+                            <p:stCondLst>
+                              <p:cond delay="0"/>
+                            </p:stCondLst>
+                            <p:childTnLst>
                               <p:par>
-                                <p:cTn id="15" presetID="1" presetClass="entr" presetSubtype="0" fill="hold" grpId="0" nodeType="withEffect">
+                                <p:cTn id="15" presetID="1" presetClass="entr" presetSubtype="0" fill="hold" grpId="0" nodeType="clickEffect">
                                   <p:stCondLst>
                                     <p:cond delay="0"/>
                                   </p:stCondLst>
@@ -12266,7 +12619,7 @@
                                         <p:tgtEl>
                                           <p:spTgt spid="6">
                                             <p:txEl>
-                                              <p:pRg st="7" end="7"/>
+                                              <p:pRg st="6" end="6"/>
                                             </p:txEl>
                                           </p:spTgt>
                                         </p:tgtEl>
@@ -12297,7 +12650,56 @@
                                         <p:tgtEl>
                                           <p:spTgt spid="6">
                                             <p:txEl>
-                                              <p:pRg st="8" end="8"/>
+                                              <p:pRg st="7" end="7"/>
+                                            </p:txEl>
+                                          </p:spTgt>
+                                        </p:tgtEl>
+                                        <p:attrNameLst>
+                                          <p:attrName>style.visibility</p:attrName>
+                                        </p:attrNameLst>
+                                      </p:cBhvr>
+                                      <p:to>
+                                        <p:strVal val="visible"/>
+                                      </p:to>
+                                    </p:set>
+                                  </p:childTnLst>
+                                </p:cTn>
+                              </p:par>
+                            </p:childTnLst>
+                          </p:cTn>
+                        </p:par>
+                      </p:childTnLst>
+                    </p:cTn>
+                  </p:par>
+                  <p:par>
+                    <p:cTn id="19" fill="hold">
+                      <p:stCondLst>
+                        <p:cond delay="indefinite"/>
+                      </p:stCondLst>
+                      <p:childTnLst>
+                        <p:par>
+                          <p:cTn id="20" fill="hold">
+                            <p:stCondLst>
+                              <p:cond delay="0"/>
+                            </p:stCondLst>
+                            <p:childTnLst>
+                              <p:par>
+                                <p:cTn id="21" presetID="1" presetClass="entr" presetSubtype="0" fill="hold" grpId="0" nodeType="clickEffect">
+                                  <p:stCondLst>
+                                    <p:cond delay="0"/>
+                                  </p:stCondLst>
+                                  <p:childTnLst>
+                                    <p:set>
+                                      <p:cBhvr>
+                                        <p:cTn id="22" dur="1" fill="hold">
+                                          <p:stCondLst>
+                                            <p:cond delay="0"/>
+                                          </p:stCondLst>
+                                        </p:cTn>
+                                        <p:tgtEl>
+                                          <p:spTgt spid="6">
+                                            <p:txEl>
+                                              <p:pRg st="9" end="9"/>
                                             </p:txEl>
                                           </p:spTgt>
                                         </p:tgtEl>
@@ -12340,13 +12742,13 @@
       </p:par>
     </p:tnLst>
     <p:bldLst>
-      <p:bldP spid="6" grpId="0" build="p"/>
+      <p:bldP spid="6" grpId="0" uiExpand="1" build="p"/>
     </p:bldLst>
   </p:timing>
 </p:sld>
 </file>
 
-<file path=ppt/slides/slide23.xml><?xml version="1.0" encoding="utf-8"?>
+<file path=ppt/slides/slide22.xml><?xml version="1.0" encoding="utf-8"?>
 <p:sld xmlns:a="http://schemas.openxmlformats.org/drawingml/2006/main" xmlns:r="http://schemas.openxmlformats.org/officeDocument/2006/relationships" xmlns:p="http://schemas.openxmlformats.org/presentationml/2006/main">
   <p:cSld>
     <p:spTree>
@@ -12410,7 +12812,7 @@
           <a:p>
             <a:fld id="{D5B3FF5A-434C-48FB-8AB6-918D6BE80741}" type="slidenum">
               <a:rPr lang="en-US" smtClean="0"/>
-              <a:t>23</a:t>
+              <a:t>22</a:t>
             </a:fld>
             <a:endParaRPr lang="en-US"/>
           </a:p>
@@ -12907,6 +13309,108 @@
 </p:sld>
 </file>
 
+<file path=ppt/slides/slide23.xml><?xml version="1.0" encoding="utf-8"?>
+<p:sld xmlns:a="http://schemas.openxmlformats.org/drawingml/2006/main" xmlns:r="http://schemas.openxmlformats.org/officeDocument/2006/relationships" xmlns:p="http://schemas.openxmlformats.org/presentationml/2006/main">
+  <p:cSld>
+    <p:spTree>
+      <p:nvGrpSpPr>
+        <p:cNvPr id="1" name=""/>
+        <p:cNvGrpSpPr/>
+        <p:nvPr/>
+      </p:nvGrpSpPr>
+      <p:grpSpPr>
+        <a:xfrm>
+          <a:off x="0" y="0"/>
+          <a:ext cx="0" cy="0"/>
+          <a:chOff x="0" y="0"/>
+          <a:chExt cx="0" cy="0"/>
+        </a:xfrm>
+      </p:grpSpPr>
+      <p:sp>
+        <p:nvSpPr>
+          <p:cNvPr id="2" name="Title 1"/>
+          <p:cNvSpPr>
+            <a:spLocks noGrp="1"/>
+          </p:cNvSpPr>
+          <p:nvPr>
+            <p:ph type="title"/>
+          </p:nvPr>
+        </p:nvSpPr>
+        <p:spPr/>
+        <p:txBody>
+          <a:bodyPr/>
+          <a:lstStyle/>
+          <a:p>
+            <a:r>
+              <a:rPr lang="en-US" dirty="0" smtClean="0"/>
+              <a:t>But does this matter in practice?</a:t>
+            </a:r>
+            <a:endParaRPr lang="en-US" dirty="0"/>
+          </a:p>
+        </p:txBody>
+      </p:sp>
+      <p:sp>
+        <p:nvSpPr>
+          <p:cNvPr id="3" name="Text Placeholder 2"/>
+          <p:cNvSpPr>
+            <a:spLocks noGrp="1"/>
+          </p:cNvSpPr>
+          <p:nvPr>
+            <p:ph type="body" idx="1"/>
+          </p:nvPr>
+        </p:nvSpPr>
+        <p:spPr/>
+        <p:txBody>
+          <a:bodyPr/>
+          <a:lstStyle/>
+          <a:p>
+            <a:endParaRPr lang="en-US"/>
+          </a:p>
+        </p:txBody>
+      </p:sp>
+      <p:sp>
+        <p:nvSpPr>
+          <p:cNvPr id="5" name="Slide Number Placeholder 4"/>
+          <p:cNvSpPr>
+            <a:spLocks noGrp="1"/>
+          </p:cNvSpPr>
+          <p:nvPr>
+            <p:ph type="sldNum" sz="quarter" idx="12"/>
+          </p:nvPr>
+        </p:nvSpPr>
+        <p:spPr/>
+        <p:txBody>
+          <a:bodyPr/>
+          <a:lstStyle/>
+          <a:p>
+            <a:fld id="{D5B3FF5A-434C-48FB-8AB6-918D6BE80741}" type="slidenum">
+              <a:rPr lang="en-US" smtClean="0"/>
+              <a:t>23</a:t>
+            </a:fld>
+            <a:endParaRPr lang="en-US"/>
+          </a:p>
+        </p:txBody>
+      </p:sp>
+    </p:spTree>
+    <p:extLst>
+      <p:ext uri="{BB962C8B-B14F-4D97-AF65-F5344CB8AC3E}">
+        <p14:creationId xmlns:p14="http://schemas.microsoft.com/office/powerpoint/2010/main" val="530240900"/>
+      </p:ext>
+    </p:extLst>
+  </p:cSld>
+  <p:clrMapOvr>
+    <a:masterClrMapping/>
+  </p:clrMapOvr>
+  <p:timing>
+    <p:tnLst>
+      <p:par>
+        <p:cTn id="1" dur="indefinite" restart="never" nodeType="tmRoot"/>
+      </p:par>
+    </p:tnLst>
+  </p:timing>
+</p:sld>
+</file>
+
 <file path=ppt/slides/slide24.xml><?xml version="1.0" encoding="utf-8"?>
 <p:sld xmlns:a="http://schemas.openxmlformats.org/drawingml/2006/main" xmlns:r="http://schemas.openxmlformats.org/officeDocument/2006/relationships" xmlns:p="http://schemas.openxmlformats.org/presentationml/2006/main">
   <p:cSld>
@@ -12948,7 +13452,15 @@
           <a:p>
             <a:r>
               <a:rPr lang="en-US" sz="3600" dirty="0" smtClean="0"/>
-              <a:t>Examples</a:t>
+              <a:t>Carpenter &amp; </a:t>
+            </a:r>
+            <a:r>
+              <a:rPr lang="en-US" sz="3600" dirty="0" err="1" smtClean="0"/>
+              <a:t>Dobkin</a:t>
+            </a:r>
+            <a:r>
+              <a:rPr lang="en-US" sz="3600" dirty="0" smtClean="0"/>
+              <a:t> (2011)</a:t>
             </a:r>
             <a:endParaRPr lang="en-US" sz="3600" dirty="0"/>
           </a:p>
@@ -13018,6 +13530,454 @@
           </a:extLst>
         </p:spPr>
       </p:pic>
+      <p:sp>
+        <p:nvSpPr>
+          <p:cNvPr id="5" name="Content Placeholder 2"/>
+          <p:cNvSpPr>
+            <a:spLocks noGrp="1"/>
+          </p:cNvSpPr>
+          <p:nvPr>
+            <p:ph idx="1"/>
+          </p:nvPr>
+        </p:nvSpPr>
+        <p:spPr>
+          <a:xfrm>
+            <a:off x="304800" y="1600200"/>
+            <a:ext cx="8382000" cy="5029200"/>
+          </a:xfrm>
+        </p:spPr>
+        <p:txBody>
+          <a:bodyPr>
+            <a:normAutofit/>
+          </a:bodyPr>
+          <a:lstStyle/>
+          <a:p>
+            <a:r>
+              <a:rPr lang="en-US" dirty="0" smtClean="0"/>
+              <a:t>Study effects of changing minimum legal drinking age on motor vehicle mortality</a:t>
+            </a:r>
+          </a:p>
+          <a:p>
+            <a:r>
+              <a:rPr lang="en-US" dirty="0" smtClean="0"/>
+              <a:t>State-by-year panel from FARS maintained by NHTSA.</a:t>
+            </a:r>
+          </a:p>
+          <a:p>
+            <a:r>
+              <a:rPr lang="en-US" dirty="0" smtClean="0"/>
+              <a:t>Difference-in-differences identification.</a:t>
+            </a:r>
+            <a:endParaRPr lang="en-US" dirty="0" smtClean="0"/>
+          </a:p>
+        </p:txBody>
+      </p:sp>
+      <p:graphicFrame>
+        <p:nvGraphicFramePr>
+          <p:cNvPr id="7" name="Table 6"/>
+          <p:cNvGraphicFramePr>
+            <a:graphicFrameLocks noGrp="1"/>
+          </p:cNvGraphicFramePr>
+          <p:nvPr>
+            <p:extLst>
+              <p:ext uri="{D42A27DB-BD31-4B8C-83A1-F6EECF244321}">
+                <p14:modId xmlns:p14="http://schemas.microsoft.com/office/powerpoint/2010/main" val="647387020"/>
+              </p:ext>
+            </p:extLst>
+          </p:nvPr>
+        </p:nvGraphicFramePr>
+        <p:xfrm>
+          <a:off x="1609725" y="3733800"/>
+          <a:ext cx="5772150" cy="1854200"/>
+        </p:xfrm>
+        <a:graphic>
+          <a:graphicData uri="http://schemas.openxmlformats.org/drawingml/2006/table">
+            <a:tbl>
+              <a:tblPr firstRow="1" bandRow="1">
+                <a:tableStyleId>{5C22544A-7EE6-4342-B048-85BDC9FD1C3A}</a:tableStyleId>
+              </a:tblPr>
+              <a:tblGrid>
+                <a:gridCol w="1849053"/>
+                <a:gridCol w="1371600"/>
+                <a:gridCol w="838200"/>
+                <a:gridCol w="817947"/>
+                <a:gridCol w="895350"/>
+              </a:tblGrid>
+              <a:tr h="370840">
+                <a:tc>
+                  <a:txBody>
+                    <a:bodyPr/>
+                    <a:lstStyle/>
+                    <a:p>
+                      <a:r>
+                        <a:rPr lang="en-US" sz="1600" dirty="0" smtClean="0"/>
+                        <a:t>Hypothesis</a:t>
+                      </a:r>
+                      <a:endParaRPr lang="en-US" sz="1600" dirty="0"/>
+                    </a:p>
+                  </a:txBody>
+                  <a:tcPr/>
+                </a:tc>
+                <a:tc>
+                  <a:txBody>
+                    <a:bodyPr/>
+                    <a:lstStyle/>
+                    <a:p>
+                      <a:r>
+                        <a:rPr lang="en-US" sz="1600" dirty="0" smtClean="0"/>
+                        <a:t>Test</a:t>
+                      </a:r>
+                      <a:endParaRPr lang="en-US" sz="1600" dirty="0"/>
+                    </a:p>
+                  </a:txBody>
+                  <a:tcPr/>
+                </a:tc>
+                <a:tc>
+                  <a:txBody>
+                    <a:bodyPr/>
+                    <a:lstStyle/>
+                    <a:p>
+                      <a:pPr algn="ctr"/>
+                      <a:r>
+                        <a:rPr lang="en-US" sz="1600" dirty="0" smtClean="0"/>
+                        <a:t>F</a:t>
+                      </a:r>
+                      <a:endParaRPr lang="en-US" sz="1600" dirty="0"/>
+                    </a:p>
+                  </a:txBody>
+                  <a:tcPr/>
+                </a:tc>
+                <a:tc>
+                  <a:txBody>
+                    <a:bodyPr/>
+                    <a:lstStyle/>
+                    <a:p>
+                      <a:pPr algn="ctr"/>
+                      <a:r>
+                        <a:rPr lang="en-US" sz="1600" dirty="0" err="1" smtClean="0"/>
+                        <a:t>df</a:t>
+                      </a:r>
+                      <a:endParaRPr lang="en-US" sz="1600" dirty="0"/>
+                    </a:p>
+                  </a:txBody>
+                  <a:tcPr/>
+                </a:tc>
+                <a:tc>
+                  <a:txBody>
+                    <a:bodyPr/>
+                    <a:lstStyle/>
+                    <a:p>
+                      <a:pPr algn="ctr"/>
+                      <a:r>
+                        <a:rPr lang="en-US" sz="1600" dirty="0" smtClean="0"/>
+                        <a:t>p-value</a:t>
+                      </a:r>
+                      <a:endParaRPr lang="en-US" sz="1600" dirty="0"/>
+                    </a:p>
+                  </a:txBody>
+                  <a:tcPr/>
+                </a:tc>
+              </a:tr>
+              <a:tr h="370840">
+                <a:tc rowSpan="2">
+                  <a:txBody>
+                    <a:bodyPr/>
+                    <a:lstStyle/>
+                    <a:p>
+                      <a:r>
+                        <a:rPr lang="en-US" sz="1600" dirty="0" smtClean="0"/>
+                        <a:t>Policy effect (q = 1)</a:t>
+                      </a:r>
+                      <a:endParaRPr lang="en-US" sz="1600" dirty="0"/>
+                    </a:p>
+                  </a:txBody>
+                  <a:tcPr anchor="ctr"/>
+                </a:tc>
+                <a:tc>
+                  <a:txBody>
+                    <a:bodyPr/>
+                    <a:lstStyle/>
+                    <a:p>
+                      <a:r>
+                        <a:rPr lang="en-US" sz="1600" dirty="0" smtClean="0"/>
+                        <a:t>Standard</a:t>
+                      </a:r>
+                      <a:endParaRPr lang="en-US" sz="1600" dirty="0"/>
+                    </a:p>
+                  </a:txBody>
+                  <a:tcPr anchor="ctr"/>
+                </a:tc>
+                <a:tc>
+                  <a:txBody>
+                    <a:bodyPr/>
+                    <a:lstStyle/>
+                    <a:p>
+                      <a:pPr algn="r"/>
+                      <a:r>
+                        <a:rPr lang="en-US" sz="1600" dirty="0" smtClean="0"/>
+                        <a:t>9.660</a:t>
+                      </a:r>
+                      <a:endParaRPr lang="en-US" sz="1600" dirty="0"/>
+                    </a:p>
+                  </a:txBody>
+                  <a:tcPr anchor="ctr"/>
+                </a:tc>
+                <a:tc>
+                  <a:txBody>
+                    <a:bodyPr/>
+                    <a:lstStyle/>
+                    <a:p>
+                      <a:pPr algn="r"/>
+                      <a:r>
+                        <a:rPr lang="en-US" sz="1600" dirty="0" smtClean="0"/>
+                        <a:t>49.00</a:t>
+                      </a:r>
+                      <a:endParaRPr lang="en-US" sz="1600" dirty="0"/>
+                    </a:p>
+                  </a:txBody>
+                  <a:tcPr anchor="ctr"/>
+                </a:tc>
+                <a:tc>
+                  <a:txBody>
+                    <a:bodyPr/>
+                    <a:lstStyle/>
+                    <a:p>
+                      <a:pPr algn="ctr"/>
+                      <a:r>
+                        <a:rPr lang="en-US" sz="1600" dirty="0" smtClean="0"/>
+                        <a:t>.003</a:t>
+                      </a:r>
+                      <a:endParaRPr lang="en-US" sz="1600" dirty="0"/>
+                    </a:p>
+                  </a:txBody>
+                  <a:tcPr anchor="ctr"/>
+                </a:tc>
+              </a:tr>
+              <a:tr h="370840">
+                <a:tc vMerge="1">
+                  <a:txBody>
+                    <a:bodyPr/>
+                    <a:lstStyle/>
+                    <a:p>
+                      <a:endParaRPr lang="en-US" dirty="0"/>
+                    </a:p>
+                  </a:txBody>
+                  <a:tcPr/>
+                </a:tc>
+                <a:tc>
+                  <a:txBody>
+                    <a:bodyPr/>
+                    <a:lstStyle/>
+                    <a:p>
+                      <a:r>
+                        <a:rPr lang="en-US" sz="1600" dirty="0" smtClean="0"/>
+                        <a:t>Satterthwaite</a:t>
+                      </a:r>
+                      <a:endParaRPr lang="en-US" sz="1600" dirty="0"/>
+                    </a:p>
+                  </a:txBody>
+                  <a:tcPr anchor="ctr"/>
+                </a:tc>
+                <a:tc>
+                  <a:txBody>
+                    <a:bodyPr/>
+                    <a:lstStyle/>
+                    <a:p>
+                      <a:pPr algn="r"/>
+                      <a:r>
+                        <a:rPr lang="en-US" sz="1600" dirty="0" smtClean="0"/>
+                        <a:t>9.116</a:t>
+                      </a:r>
+                      <a:endParaRPr lang="en-US" sz="1600" dirty="0"/>
+                    </a:p>
+                  </a:txBody>
+                  <a:tcPr anchor="ctr"/>
+                </a:tc>
+                <a:tc>
+                  <a:txBody>
+                    <a:bodyPr/>
+                    <a:lstStyle/>
+                    <a:p>
+                      <a:pPr algn="r"/>
+                      <a:r>
+                        <a:rPr lang="en-US" sz="1600" dirty="0" smtClean="0"/>
+                        <a:t>24.74</a:t>
+                      </a:r>
+                      <a:endParaRPr lang="en-US" sz="1600" dirty="0"/>
+                    </a:p>
+                  </a:txBody>
+                  <a:tcPr anchor="ctr"/>
+                </a:tc>
+                <a:tc>
+                  <a:txBody>
+                    <a:bodyPr/>
+                    <a:lstStyle/>
+                    <a:p>
+                      <a:pPr algn="ctr"/>
+                      <a:r>
+                        <a:rPr lang="en-US" sz="1600" dirty="0" smtClean="0"/>
+                        <a:t>.006</a:t>
+                      </a:r>
+                      <a:endParaRPr lang="en-US" sz="1600" dirty="0"/>
+                    </a:p>
+                  </a:txBody>
+                  <a:tcPr anchor="ctr"/>
+                </a:tc>
+              </a:tr>
+              <a:tr h="370840">
+                <a:tc rowSpan="2">
+                  <a:txBody>
+                    <a:bodyPr/>
+                    <a:lstStyle/>
+                    <a:p>
+                      <a:r>
+                        <a:rPr lang="en-US" sz="1600" dirty="0" err="1" smtClean="0"/>
+                        <a:t>Hausman</a:t>
+                      </a:r>
+                      <a:r>
+                        <a:rPr lang="en-US" sz="1600" baseline="0" dirty="0" smtClean="0"/>
+                        <a:t> test of endogeneity (q = 2)</a:t>
+                      </a:r>
+                      <a:endParaRPr lang="en-US" sz="1600" dirty="0"/>
+                    </a:p>
+                  </a:txBody>
+                  <a:tcPr anchor="ctr"/>
+                </a:tc>
+                <a:tc>
+                  <a:txBody>
+                    <a:bodyPr/>
+                    <a:lstStyle/>
+                    <a:p>
+                      <a:r>
+                        <a:rPr lang="en-US" sz="1600" dirty="0" smtClean="0"/>
+                        <a:t>Standard</a:t>
+                      </a:r>
+                      <a:endParaRPr lang="en-US" sz="1600" dirty="0"/>
+                    </a:p>
+                  </a:txBody>
+                  <a:tcPr anchor="ctr"/>
+                </a:tc>
+                <a:tc>
+                  <a:txBody>
+                    <a:bodyPr/>
+                    <a:lstStyle/>
+                    <a:p>
+                      <a:pPr algn="r"/>
+                      <a:r>
+                        <a:rPr lang="en-US" sz="1600" dirty="0" smtClean="0"/>
+                        <a:t>2.930</a:t>
+                      </a:r>
+                      <a:endParaRPr lang="en-US" sz="1600" dirty="0"/>
+                    </a:p>
+                  </a:txBody>
+                  <a:tcPr anchor="ctr"/>
+                </a:tc>
+                <a:tc>
+                  <a:txBody>
+                    <a:bodyPr/>
+                    <a:lstStyle/>
+                    <a:p>
+                      <a:pPr algn="r"/>
+                      <a:r>
+                        <a:rPr lang="en-US" sz="1600" dirty="0" smtClean="0"/>
+                        <a:t>49.00</a:t>
+                      </a:r>
+                      <a:endParaRPr lang="en-US" sz="1600" dirty="0"/>
+                    </a:p>
+                  </a:txBody>
+                  <a:tcPr anchor="ctr"/>
+                </a:tc>
+                <a:tc>
+                  <a:txBody>
+                    <a:bodyPr/>
+                    <a:lstStyle/>
+                    <a:p>
+                      <a:pPr algn="ctr"/>
+                      <a:r>
+                        <a:rPr lang="en-US" sz="1600" dirty="0" smtClean="0"/>
+                        <a:t>.063</a:t>
+                      </a:r>
+                      <a:endParaRPr lang="en-US" sz="1600" dirty="0"/>
+                    </a:p>
+                  </a:txBody>
+                  <a:tcPr anchor="ctr"/>
+                </a:tc>
+              </a:tr>
+              <a:tr h="370840">
+                <a:tc vMerge="1">
+                  <a:txBody>
+                    <a:bodyPr/>
+                    <a:lstStyle/>
+                    <a:p>
+                      <a:endParaRPr lang="en-US" dirty="0"/>
+                    </a:p>
+                  </a:txBody>
+                  <a:tcPr/>
+                </a:tc>
+                <a:tc>
+                  <a:txBody>
+                    <a:bodyPr/>
+                    <a:lstStyle/>
+                    <a:p>
+                      <a:r>
+                        <a:rPr lang="en-US" sz="1600" dirty="0" smtClean="0"/>
+                        <a:t>AHT</a:t>
+                      </a:r>
+                      <a:endParaRPr lang="en-US" sz="1600" dirty="0"/>
+                    </a:p>
+                  </a:txBody>
+                  <a:tcPr anchor="ctr"/>
+                </a:tc>
+                <a:tc>
+                  <a:txBody>
+                    <a:bodyPr/>
+                    <a:lstStyle/>
+                    <a:p>
+                      <a:pPr algn="r"/>
+                      <a:r>
+                        <a:rPr lang="en-US" sz="1600" dirty="0" smtClean="0"/>
+                        <a:t>2.489</a:t>
+                      </a:r>
+                      <a:endParaRPr lang="en-US" sz="1600" dirty="0"/>
+                    </a:p>
+                  </a:txBody>
+                  <a:tcPr anchor="ctr"/>
+                </a:tc>
+                <a:tc>
+                  <a:txBody>
+                    <a:bodyPr/>
+                    <a:lstStyle/>
+                    <a:p>
+                      <a:pPr algn="r"/>
+                      <a:r>
+                        <a:rPr lang="en-US" sz="1600" dirty="0" smtClean="0"/>
+                        <a:t>8.69</a:t>
+                      </a:r>
+                      <a:endParaRPr lang="en-US" sz="1600" dirty="0"/>
+                    </a:p>
+                  </a:txBody>
+                  <a:tcPr anchor="ctr"/>
+                </a:tc>
+                <a:tc>
+                  <a:txBody>
+                    <a:bodyPr/>
+                    <a:lstStyle/>
+                    <a:p>
+                      <a:pPr algn="ctr"/>
+                      <a:r>
+                        <a:rPr lang="en-US" sz="1600" dirty="0" smtClean="0"/>
+                        <a:t>.140</a:t>
+                      </a:r>
+                      <a:endParaRPr lang="en-US" sz="1600" dirty="0"/>
+                    </a:p>
+                  </a:txBody>
+                  <a:tcPr anchor="ctr"/>
+                </a:tc>
+              </a:tr>
+            </a:tbl>
+          </a:graphicData>
+        </a:graphic>
+      </p:graphicFrame>
     </p:spTree>
     <p:extLst>
       <p:ext uri="{BB962C8B-B14F-4D97-AF65-F5344CB8AC3E}">
@@ -13031,7 +13991,75 @@
   <p:timing>
     <p:tnLst>
       <p:par>
-        <p:cTn id="1" dur="indefinite" restart="never" nodeType="tmRoot"/>
+        <p:cTn id="1" dur="indefinite" restart="never" nodeType="tmRoot">
+          <p:childTnLst>
+            <p:seq concurrent="1" nextAc="seek">
+              <p:cTn id="2" dur="indefinite" nodeType="mainSeq">
+                <p:childTnLst>
+                  <p:par>
+                    <p:cTn id="3" fill="hold">
+                      <p:stCondLst>
+                        <p:cond delay="indefinite"/>
+                      </p:stCondLst>
+                      <p:childTnLst>
+                        <p:par>
+                          <p:cTn id="4" fill="hold">
+                            <p:stCondLst>
+                              <p:cond delay="0"/>
+                            </p:stCondLst>
+                            <p:childTnLst>
+                              <p:par>
+                                <p:cTn id="5" presetID="1" presetClass="entr" presetSubtype="0" fill="hold" nodeType="clickEffect">
+                                  <p:stCondLst>
+                                    <p:cond delay="0"/>
+                                  </p:stCondLst>
+                                  <p:childTnLst>
+                                    <p:set>
+                                      <p:cBhvr>
+                                        <p:cTn id="6" dur="1" fill="hold">
+                                          <p:stCondLst>
+                                            <p:cond delay="0"/>
+                                          </p:stCondLst>
+                                        </p:cTn>
+                                        <p:tgtEl>
+                                          <p:spTgt spid="7"/>
+                                        </p:tgtEl>
+                                        <p:attrNameLst>
+                                          <p:attrName>style.visibility</p:attrName>
+                                        </p:attrNameLst>
+                                      </p:cBhvr>
+                                      <p:to>
+                                        <p:strVal val="visible"/>
+                                      </p:to>
+                                    </p:set>
+                                  </p:childTnLst>
+                                </p:cTn>
+                              </p:par>
+                            </p:childTnLst>
+                          </p:cTn>
+                        </p:par>
+                      </p:childTnLst>
+                    </p:cTn>
+                  </p:par>
+                </p:childTnLst>
+              </p:cTn>
+              <p:prevCondLst>
+                <p:cond evt="onPrev" delay="0">
+                  <p:tgtEl>
+                    <p:sldTgt/>
+                  </p:tgtEl>
+                </p:cond>
+              </p:prevCondLst>
+              <p:nextCondLst>
+                <p:cond evt="onNext" delay="0">
+                  <p:tgtEl>
+                    <p:sldTgt/>
+                  </p:tgtEl>
+                </p:cond>
+              </p:nextCondLst>
+            </p:seq>
+          </p:childTnLst>
+        </p:cTn>
       </p:par>
     </p:tnLst>
   </p:timing>
@@ -13079,7 +14107,15 @@
           <a:p>
             <a:r>
               <a:rPr lang="en-US" sz="3600" dirty="0" smtClean="0"/>
-              <a:t>How to make your SEs smaller</a:t>
+              <a:t>Angrist &amp; </a:t>
+            </a:r>
+            <a:r>
+              <a:rPr lang="en-US" sz="3600" dirty="0" err="1" smtClean="0"/>
+              <a:t>Lavy</a:t>
+            </a:r>
+            <a:r>
+              <a:rPr lang="en-US" sz="3600" dirty="0" smtClean="0"/>
+              <a:t> (2009)</a:t>
             </a:r>
             <a:endParaRPr lang="en-US" sz="3600" dirty="0"/>
           </a:p>
@@ -13103,6 +14139,670 @@
             <a:fld id="{D5B3FF5A-434C-48FB-8AB6-918D6BE80741}" type="slidenum">
               <a:rPr lang="en-US" smtClean="0"/>
               <a:t>25</a:t>
+            </a:fld>
+            <a:endParaRPr lang="en-US"/>
+          </a:p>
+        </p:txBody>
+      </p:sp>
+      <p:pic>
+        <p:nvPicPr>
+          <p:cNvPr id="6" name="Picture 2" descr="http://libroderecetas.com/files/recetas/club-sandwich.jpg"/>
+          <p:cNvPicPr>
+            <a:picLocks noChangeAspect="1" noChangeArrowheads="1"/>
+          </p:cNvPicPr>
+          <p:nvPr/>
+        </p:nvPicPr>
+        <p:blipFill>
+          <a:blip r:embed="rId3" cstate="print">
+            <a:extLst>
+              <a:ext uri="{28A0092B-C50C-407E-A947-70E740481C1C}">
+                <a14:useLocalDpi xmlns:a14="http://schemas.microsoft.com/office/drawing/2010/main" val="0"/>
+              </a:ext>
+            </a:extLst>
+          </a:blip>
+          <a:srcRect/>
+          <a:stretch>
+            <a:fillRect/>
+          </a:stretch>
+        </p:blipFill>
+        <p:spPr bwMode="auto">
+          <a:xfrm>
+            <a:off x="6781800" y="-15240"/>
+            <a:ext cx="2362200" cy="1524000"/>
+          </a:xfrm>
+          <a:prstGeom prst="rect">
+            <a:avLst/>
+          </a:prstGeom>
+          <a:noFill/>
+          <a:extLst>
+            <a:ext uri="{909E8E84-426E-40DD-AFC4-6F175D3DCCD1}">
+              <a14:hiddenFill xmlns:a14="http://schemas.microsoft.com/office/drawing/2010/main">
+                <a:solidFill>
+                  <a:srgbClr val="FFFFFF"/>
+                </a:solidFill>
+              </a14:hiddenFill>
+            </a:ext>
+          </a:extLst>
+        </p:spPr>
+      </p:pic>
+      <p:sp>
+        <p:nvSpPr>
+          <p:cNvPr id="5" name="Content Placeholder 2"/>
+          <p:cNvSpPr>
+            <a:spLocks noGrp="1"/>
+          </p:cNvSpPr>
+          <p:nvPr>
+            <p:ph idx="1"/>
+          </p:nvPr>
+        </p:nvSpPr>
+        <p:spPr>
+          <a:xfrm>
+            <a:off x="304800" y="1600200"/>
+            <a:ext cx="8382000" cy="5029200"/>
+          </a:xfrm>
+        </p:spPr>
+        <p:txBody>
+          <a:bodyPr>
+            <a:normAutofit/>
+          </a:bodyPr>
+          <a:lstStyle/>
+          <a:p>
+            <a:r>
+              <a:rPr lang="en-US" dirty="0"/>
+              <a:t>Cluster-randomized trial in 40 high schools in Israel.</a:t>
+            </a:r>
+          </a:p>
+          <a:p>
+            <a:r>
+              <a:rPr lang="en-US" dirty="0" smtClean="0"/>
+              <a:t>Tested effects of monetary incentives on post-secondary matriculation exam (</a:t>
+            </a:r>
+            <a:r>
+              <a:rPr lang="en-US" dirty="0" err="1" smtClean="0"/>
+              <a:t>Bagrut</a:t>
+            </a:r>
+            <a:r>
+              <a:rPr lang="en-US" dirty="0" smtClean="0"/>
+              <a:t>) completion rates.</a:t>
+            </a:r>
+          </a:p>
+          <a:p>
+            <a:r>
+              <a:rPr lang="en-US" dirty="0" smtClean="0"/>
+              <a:t>Longitudinal data, diff-in-diff specification.</a:t>
+            </a:r>
+          </a:p>
+          <a:p>
+            <a:r>
+              <a:rPr lang="en-US" dirty="0" smtClean="0"/>
+              <a:t>Focus on effects for higher-achieving girls</a:t>
+            </a:r>
+            <a:endParaRPr lang="en-US" dirty="0" smtClean="0"/>
+          </a:p>
+        </p:txBody>
+      </p:sp>
+      <p:graphicFrame>
+        <p:nvGraphicFramePr>
+          <p:cNvPr id="7" name="Table 6"/>
+          <p:cNvGraphicFramePr>
+            <a:graphicFrameLocks noGrp="1"/>
+          </p:cNvGraphicFramePr>
+          <p:nvPr>
+            <p:extLst>
+              <p:ext uri="{D42A27DB-BD31-4B8C-83A1-F6EECF244321}">
+                <p14:modId xmlns:p14="http://schemas.microsoft.com/office/powerpoint/2010/main" val="2675367432"/>
+              </p:ext>
+            </p:extLst>
+          </p:nvPr>
+        </p:nvGraphicFramePr>
+        <p:xfrm>
+          <a:off x="1609725" y="4191000"/>
+          <a:ext cx="5772150" cy="1854200"/>
+        </p:xfrm>
+        <a:graphic>
+          <a:graphicData uri="http://schemas.openxmlformats.org/drawingml/2006/table">
+            <a:tbl>
+              <a:tblPr firstRow="1" bandRow="1">
+                <a:tableStyleId>{5C22544A-7EE6-4342-B048-85BDC9FD1C3A}</a:tableStyleId>
+              </a:tblPr>
+              <a:tblGrid>
+                <a:gridCol w="1849053"/>
+                <a:gridCol w="1371600"/>
+                <a:gridCol w="838200"/>
+                <a:gridCol w="817947"/>
+                <a:gridCol w="895350"/>
+              </a:tblGrid>
+              <a:tr h="370840">
+                <a:tc>
+                  <a:txBody>
+                    <a:bodyPr/>
+                    <a:lstStyle/>
+                    <a:p>
+                      <a:r>
+                        <a:rPr lang="en-US" sz="1600" dirty="0" smtClean="0"/>
+                        <a:t>Hypothesis</a:t>
+                      </a:r>
+                      <a:endParaRPr lang="en-US" sz="1600" dirty="0"/>
+                    </a:p>
+                  </a:txBody>
+                  <a:tcPr/>
+                </a:tc>
+                <a:tc>
+                  <a:txBody>
+                    <a:bodyPr/>
+                    <a:lstStyle/>
+                    <a:p>
+                      <a:r>
+                        <a:rPr lang="en-US" sz="1600" dirty="0" smtClean="0"/>
+                        <a:t>Test</a:t>
+                      </a:r>
+                      <a:endParaRPr lang="en-US" sz="1600" dirty="0"/>
+                    </a:p>
+                  </a:txBody>
+                  <a:tcPr/>
+                </a:tc>
+                <a:tc>
+                  <a:txBody>
+                    <a:bodyPr/>
+                    <a:lstStyle/>
+                    <a:p>
+                      <a:pPr algn="ctr"/>
+                      <a:r>
+                        <a:rPr lang="en-US" sz="1600" dirty="0" smtClean="0"/>
+                        <a:t>F</a:t>
+                      </a:r>
+                      <a:endParaRPr lang="en-US" sz="1600" dirty="0"/>
+                    </a:p>
+                  </a:txBody>
+                  <a:tcPr/>
+                </a:tc>
+                <a:tc>
+                  <a:txBody>
+                    <a:bodyPr/>
+                    <a:lstStyle/>
+                    <a:p>
+                      <a:pPr algn="ctr"/>
+                      <a:r>
+                        <a:rPr lang="en-US" sz="1600" dirty="0" err="1" smtClean="0"/>
+                        <a:t>df</a:t>
+                      </a:r>
+                      <a:endParaRPr lang="en-US" sz="1600" dirty="0"/>
+                    </a:p>
+                  </a:txBody>
+                  <a:tcPr/>
+                </a:tc>
+                <a:tc>
+                  <a:txBody>
+                    <a:bodyPr/>
+                    <a:lstStyle/>
+                    <a:p>
+                      <a:pPr algn="ctr"/>
+                      <a:r>
+                        <a:rPr lang="en-US" sz="1600" dirty="0" smtClean="0"/>
+                        <a:t>p-value</a:t>
+                      </a:r>
+                      <a:endParaRPr lang="en-US" sz="1600" dirty="0"/>
+                    </a:p>
+                  </a:txBody>
+                  <a:tcPr/>
+                </a:tc>
+              </a:tr>
+              <a:tr h="370840">
+                <a:tc rowSpan="2">
+                  <a:txBody>
+                    <a:bodyPr/>
+                    <a:lstStyle/>
+                    <a:p>
+                      <a:r>
+                        <a:rPr lang="en-US" sz="1600" dirty="0" smtClean="0"/>
+                        <a:t>treatment effect </a:t>
+                      </a:r>
+                      <a:br>
+                        <a:rPr lang="en-US" sz="1600" dirty="0" smtClean="0"/>
+                      </a:br>
+                      <a:r>
+                        <a:rPr lang="en-US" sz="1600" dirty="0" smtClean="0"/>
+                        <a:t>(q = 1)</a:t>
+                      </a:r>
+                      <a:endParaRPr lang="en-US" sz="1600" dirty="0"/>
+                    </a:p>
+                  </a:txBody>
+                  <a:tcPr anchor="ctr"/>
+                </a:tc>
+                <a:tc>
+                  <a:txBody>
+                    <a:bodyPr/>
+                    <a:lstStyle/>
+                    <a:p>
+                      <a:r>
+                        <a:rPr lang="en-US" sz="1600" dirty="0" smtClean="0"/>
+                        <a:t>Standard</a:t>
+                      </a:r>
+                      <a:endParaRPr lang="en-US" sz="1600" dirty="0"/>
+                    </a:p>
+                  </a:txBody>
+                  <a:tcPr anchor="ctr"/>
+                </a:tc>
+                <a:tc>
+                  <a:txBody>
+                    <a:bodyPr/>
+                    <a:lstStyle/>
+                    <a:p>
+                      <a:pPr algn="r"/>
+                      <a:r>
+                        <a:rPr lang="en-US" sz="1600" dirty="0" smtClean="0"/>
+                        <a:t>5.746</a:t>
+                      </a:r>
+                      <a:endParaRPr lang="en-US" sz="1600" dirty="0"/>
+                    </a:p>
+                  </a:txBody>
+                  <a:tcPr anchor="ctr"/>
+                </a:tc>
+                <a:tc>
+                  <a:txBody>
+                    <a:bodyPr/>
+                    <a:lstStyle/>
+                    <a:p>
+                      <a:pPr algn="r"/>
+                      <a:r>
+                        <a:rPr lang="en-US" sz="1600" dirty="0" smtClean="0"/>
+                        <a:t>34.00</a:t>
+                      </a:r>
+                      <a:endParaRPr lang="en-US" sz="1600" dirty="0"/>
+                    </a:p>
+                  </a:txBody>
+                  <a:tcPr anchor="ctr"/>
+                </a:tc>
+                <a:tc>
+                  <a:txBody>
+                    <a:bodyPr/>
+                    <a:lstStyle/>
+                    <a:p>
+                      <a:pPr algn="ctr"/>
+                      <a:r>
+                        <a:rPr lang="en-US" sz="1600" dirty="0" smtClean="0"/>
+                        <a:t>.022</a:t>
+                      </a:r>
+                      <a:endParaRPr lang="en-US" sz="1600" dirty="0"/>
+                    </a:p>
+                  </a:txBody>
+                  <a:tcPr anchor="ctr"/>
+                </a:tc>
+              </a:tr>
+              <a:tr h="370840">
+                <a:tc vMerge="1">
+                  <a:txBody>
+                    <a:bodyPr/>
+                    <a:lstStyle/>
+                    <a:p>
+                      <a:endParaRPr lang="en-US" dirty="0"/>
+                    </a:p>
+                  </a:txBody>
+                  <a:tcPr/>
+                </a:tc>
+                <a:tc>
+                  <a:txBody>
+                    <a:bodyPr/>
+                    <a:lstStyle/>
+                    <a:p>
+                      <a:r>
+                        <a:rPr lang="en-US" sz="1600" dirty="0" smtClean="0"/>
+                        <a:t>Satterthwaite</a:t>
+                      </a:r>
+                      <a:endParaRPr lang="en-US" sz="1600" dirty="0"/>
+                    </a:p>
+                  </a:txBody>
+                  <a:tcPr anchor="ctr"/>
+                </a:tc>
+                <a:tc>
+                  <a:txBody>
+                    <a:bodyPr/>
+                    <a:lstStyle/>
+                    <a:p>
+                      <a:pPr algn="r"/>
+                      <a:r>
+                        <a:rPr lang="en-US" sz="1600" dirty="0" smtClean="0"/>
+                        <a:t>5.169</a:t>
+                      </a:r>
+                      <a:endParaRPr lang="en-US" sz="1600" dirty="0"/>
+                    </a:p>
+                  </a:txBody>
+                  <a:tcPr anchor="ctr"/>
+                </a:tc>
+                <a:tc>
+                  <a:txBody>
+                    <a:bodyPr/>
+                    <a:lstStyle/>
+                    <a:p>
+                      <a:pPr algn="r"/>
+                      <a:r>
+                        <a:rPr lang="en-US" sz="1600" dirty="0" smtClean="0"/>
+                        <a:t>15.86</a:t>
+                      </a:r>
+                      <a:endParaRPr lang="en-US" sz="1600" dirty="0"/>
+                    </a:p>
+                  </a:txBody>
+                  <a:tcPr anchor="ctr"/>
+                </a:tc>
+                <a:tc>
+                  <a:txBody>
+                    <a:bodyPr/>
+                    <a:lstStyle/>
+                    <a:p>
+                      <a:pPr algn="ctr"/>
+                      <a:r>
+                        <a:rPr lang="en-US" sz="1600" dirty="0" smtClean="0"/>
+                        <a:t>.037</a:t>
+                      </a:r>
+                      <a:endParaRPr lang="en-US" sz="1600" dirty="0"/>
+                    </a:p>
+                  </a:txBody>
+                  <a:tcPr anchor="ctr"/>
+                </a:tc>
+              </a:tr>
+              <a:tr h="370840">
+                <a:tc rowSpan="2">
+                  <a:txBody>
+                    <a:bodyPr/>
+                    <a:lstStyle/>
+                    <a:p>
+                      <a:r>
+                        <a:rPr lang="en-US" sz="1600" dirty="0" smtClean="0"/>
+                        <a:t>Moderation by school sector (q = 2)</a:t>
+                      </a:r>
+                      <a:endParaRPr lang="en-US" sz="1600" dirty="0"/>
+                    </a:p>
+                  </a:txBody>
+                  <a:tcPr anchor="ctr"/>
+                </a:tc>
+                <a:tc>
+                  <a:txBody>
+                    <a:bodyPr/>
+                    <a:lstStyle/>
+                    <a:p>
+                      <a:r>
+                        <a:rPr lang="en-US" sz="1600" dirty="0" smtClean="0"/>
+                        <a:t>Standard</a:t>
+                      </a:r>
+                      <a:endParaRPr lang="en-US" sz="1600" dirty="0"/>
+                    </a:p>
+                  </a:txBody>
+                  <a:tcPr anchor="ctr"/>
+                </a:tc>
+                <a:tc>
+                  <a:txBody>
+                    <a:bodyPr/>
+                    <a:lstStyle/>
+                    <a:p>
+                      <a:pPr algn="r"/>
+                      <a:r>
+                        <a:rPr lang="en-US" sz="1600" dirty="0" smtClean="0"/>
+                        <a:t>3.186</a:t>
+                      </a:r>
+                      <a:endParaRPr lang="en-US" sz="1600" dirty="0"/>
+                    </a:p>
+                  </a:txBody>
+                  <a:tcPr anchor="ctr"/>
+                </a:tc>
+                <a:tc>
+                  <a:txBody>
+                    <a:bodyPr/>
+                    <a:lstStyle/>
+                    <a:p>
+                      <a:pPr algn="r"/>
+                      <a:r>
+                        <a:rPr lang="en-US" sz="1600" dirty="0" smtClean="0"/>
+                        <a:t>34.00</a:t>
+                      </a:r>
+                      <a:endParaRPr lang="en-US" sz="1600" dirty="0"/>
+                    </a:p>
+                  </a:txBody>
+                  <a:tcPr anchor="ctr"/>
+                </a:tc>
+                <a:tc>
+                  <a:txBody>
+                    <a:bodyPr/>
+                    <a:lstStyle/>
+                    <a:p>
+                      <a:pPr algn="ctr"/>
+                      <a:r>
+                        <a:rPr lang="en-US" sz="1600" dirty="0" smtClean="0"/>
+                        <a:t>.054</a:t>
+                      </a:r>
+                      <a:endParaRPr lang="en-US" sz="1600" dirty="0"/>
+                    </a:p>
+                  </a:txBody>
+                  <a:tcPr anchor="ctr"/>
+                </a:tc>
+              </a:tr>
+              <a:tr h="370840">
+                <a:tc vMerge="1">
+                  <a:txBody>
+                    <a:bodyPr/>
+                    <a:lstStyle/>
+                    <a:p>
+                      <a:endParaRPr lang="en-US" dirty="0"/>
+                    </a:p>
+                  </a:txBody>
+                  <a:tcPr/>
+                </a:tc>
+                <a:tc>
+                  <a:txBody>
+                    <a:bodyPr/>
+                    <a:lstStyle/>
+                    <a:p>
+                      <a:r>
+                        <a:rPr lang="en-US" sz="1600" dirty="0" smtClean="0"/>
+                        <a:t>AHT</a:t>
+                      </a:r>
+                      <a:endParaRPr lang="en-US" sz="1600" dirty="0"/>
+                    </a:p>
+                  </a:txBody>
+                  <a:tcPr anchor="ctr"/>
+                </a:tc>
+                <a:tc>
+                  <a:txBody>
+                    <a:bodyPr/>
+                    <a:lstStyle/>
+                    <a:p>
+                      <a:pPr algn="r"/>
+                      <a:r>
+                        <a:rPr lang="en-US" sz="1600" dirty="0" smtClean="0"/>
+                        <a:t>0.091</a:t>
+                      </a:r>
+                      <a:endParaRPr lang="en-US" sz="1600" dirty="0"/>
+                    </a:p>
+                  </a:txBody>
+                  <a:tcPr anchor="ctr"/>
+                </a:tc>
+                <a:tc>
+                  <a:txBody>
+                    <a:bodyPr/>
+                    <a:lstStyle/>
+                    <a:p>
+                      <a:pPr algn="r"/>
+                      <a:r>
+                        <a:rPr lang="en-US" sz="1600" dirty="0" smtClean="0"/>
+                        <a:t>3.19</a:t>
+                      </a:r>
+                      <a:endParaRPr lang="en-US" sz="1600" dirty="0"/>
+                    </a:p>
+                  </a:txBody>
+                  <a:tcPr anchor="ctr"/>
+                </a:tc>
+                <a:tc>
+                  <a:txBody>
+                    <a:bodyPr/>
+                    <a:lstStyle/>
+                    <a:p>
+                      <a:pPr algn="ctr"/>
+                      <a:r>
+                        <a:rPr lang="en-US" sz="1600" dirty="0" smtClean="0"/>
+                        <a:t>.915</a:t>
+                      </a:r>
+                      <a:endParaRPr lang="en-US" sz="1600" dirty="0"/>
+                    </a:p>
+                  </a:txBody>
+                  <a:tcPr anchor="ctr"/>
+                </a:tc>
+              </a:tr>
+            </a:tbl>
+          </a:graphicData>
+        </a:graphic>
+      </p:graphicFrame>
+    </p:spTree>
+    <p:extLst>
+      <p:ext uri="{BB962C8B-B14F-4D97-AF65-F5344CB8AC3E}">
+        <p14:creationId xmlns:p14="http://schemas.microsoft.com/office/powerpoint/2010/main" val="1102565207"/>
+      </p:ext>
+    </p:extLst>
+  </p:cSld>
+  <p:clrMapOvr>
+    <a:masterClrMapping/>
+  </p:clrMapOvr>
+  <p:timing>
+    <p:tnLst>
+      <p:par>
+        <p:cTn id="1" dur="indefinite" restart="never" nodeType="tmRoot">
+          <p:childTnLst>
+            <p:seq concurrent="1" nextAc="seek">
+              <p:cTn id="2" dur="indefinite" nodeType="mainSeq">
+                <p:childTnLst>
+                  <p:par>
+                    <p:cTn id="3" fill="hold">
+                      <p:stCondLst>
+                        <p:cond delay="indefinite"/>
+                      </p:stCondLst>
+                      <p:childTnLst>
+                        <p:par>
+                          <p:cTn id="4" fill="hold">
+                            <p:stCondLst>
+                              <p:cond delay="0"/>
+                            </p:stCondLst>
+                            <p:childTnLst>
+                              <p:par>
+                                <p:cTn id="5" presetID="1" presetClass="entr" presetSubtype="0" fill="hold" nodeType="clickEffect">
+                                  <p:stCondLst>
+                                    <p:cond delay="0"/>
+                                  </p:stCondLst>
+                                  <p:childTnLst>
+                                    <p:set>
+                                      <p:cBhvr>
+                                        <p:cTn id="6" dur="1" fill="hold">
+                                          <p:stCondLst>
+                                            <p:cond delay="0"/>
+                                          </p:stCondLst>
+                                        </p:cTn>
+                                        <p:tgtEl>
+                                          <p:spTgt spid="7"/>
+                                        </p:tgtEl>
+                                        <p:attrNameLst>
+                                          <p:attrName>style.visibility</p:attrName>
+                                        </p:attrNameLst>
+                                      </p:cBhvr>
+                                      <p:to>
+                                        <p:strVal val="visible"/>
+                                      </p:to>
+                                    </p:set>
+                                  </p:childTnLst>
+                                </p:cTn>
+                              </p:par>
+                            </p:childTnLst>
+                          </p:cTn>
+                        </p:par>
+                      </p:childTnLst>
+                    </p:cTn>
+                  </p:par>
+                </p:childTnLst>
+              </p:cTn>
+              <p:prevCondLst>
+                <p:cond evt="onPrev" delay="0">
+                  <p:tgtEl>
+                    <p:sldTgt/>
+                  </p:tgtEl>
+                </p:cond>
+              </p:prevCondLst>
+              <p:nextCondLst>
+                <p:cond evt="onNext" delay="0">
+                  <p:tgtEl>
+                    <p:sldTgt/>
+                  </p:tgtEl>
+                </p:cond>
+              </p:nextCondLst>
+            </p:seq>
+          </p:childTnLst>
+        </p:cTn>
+      </p:par>
+    </p:tnLst>
+  </p:timing>
+</p:sld>
+</file>
+
+<file path=ppt/slides/slide26.xml><?xml version="1.0" encoding="utf-8"?>
+<p:sld xmlns:a="http://schemas.openxmlformats.org/drawingml/2006/main" xmlns:r="http://schemas.openxmlformats.org/officeDocument/2006/relationships" xmlns:p="http://schemas.openxmlformats.org/presentationml/2006/main">
+  <p:cSld>
+    <p:spTree>
+      <p:nvGrpSpPr>
+        <p:cNvPr id="1" name=""/>
+        <p:cNvGrpSpPr/>
+        <p:nvPr/>
+      </p:nvGrpSpPr>
+      <p:grpSpPr>
+        <a:xfrm>
+          <a:off x="0" y="0"/>
+          <a:ext cx="0" cy="0"/>
+          <a:chOff x="0" y="0"/>
+          <a:chExt cx="0" cy="0"/>
+        </a:xfrm>
+      </p:grpSpPr>
+      <p:sp>
+        <p:nvSpPr>
+          <p:cNvPr id="2" name="Title 1"/>
+          <p:cNvSpPr>
+            <a:spLocks noGrp="1"/>
+          </p:cNvSpPr>
+          <p:nvPr>
+            <p:ph type="title"/>
+          </p:nvPr>
+        </p:nvSpPr>
+        <p:spPr>
+          <a:xfrm>
+            <a:off x="428624" y="389732"/>
+            <a:ext cx="8286750" cy="1325563"/>
+          </a:xfrm>
+        </p:spPr>
+        <p:txBody>
+          <a:bodyPr>
+            <a:normAutofit/>
+          </a:bodyPr>
+          <a:lstStyle/>
+          <a:p>
+            <a:r>
+              <a:rPr lang="en-US" sz="3600" dirty="0" smtClean="0"/>
+              <a:t>How to make your SEs smaller</a:t>
+            </a:r>
+            <a:endParaRPr lang="en-US" sz="3600" dirty="0"/>
+          </a:p>
+        </p:txBody>
+      </p:sp>
+      <p:sp>
+        <p:nvSpPr>
+          <p:cNvPr id="4" name="Slide Number Placeholder 3"/>
+          <p:cNvSpPr>
+            <a:spLocks noGrp="1"/>
+          </p:cNvSpPr>
+          <p:nvPr>
+            <p:ph type="sldNum" sz="quarter" idx="12"/>
+          </p:nvPr>
+        </p:nvSpPr>
+        <p:spPr/>
+        <p:txBody>
+          <a:bodyPr/>
+          <a:lstStyle/>
+          <a:p>
+            <a:fld id="{D5B3FF5A-434C-48FB-8AB6-918D6BE80741}" type="slidenum">
+              <a:rPr lang="en-US" smtClean="0"/>
+              <a:t>26</a:t>
             </a:fld>
             <a:endParaRPr lang="en-US"/>
           </a:p>
@@ -13472,7 +15172,7 @@
 </p:sld>
 </file>
 
-<file path=ppt/slides/slide26.xml><?xml version="1.0" encoding="utf-8"?>
+<file path=ppt/slides/slide27.xml><?xml version="1.0" encoding="utf-8"?>
 <p:sld xmlns:a="http://schemas.openxmlformats.org/drawingml/2006/main" xmlns:r="http://schemas.openxmlformats.org/officeDocument/2006/relationships" xmlns:p="http://schemas.openxmlformats.org/presentationml/2006/main">
   <p:cSld>
     <p:spTree>
@@ -13536,7 +15236,7 @@
           <a:p>
             <a:fld id="{D5B3FF5A-434C-48FB-8AB6-918D6BE80741}" type="slidenum">
               <a:rPr lang="en-US" smtClean="0"/>
-              <a:t>26</a:t>
+              <a:t>27</a:t>
             </a:fld>
             <a:endParaRPr lang="en-US"/>
           </a:p>
@@ -13608,7 +15308,6 @@
               <a:rPr lang="en-US" dirty="0" smtClean="0"/>
               <a:t>.</a:t>
             </a:r>
-            <a:endParaRPr lang="en-US" dirty="0" smtClean="0"/>
           </a:p>
         </p:txBody>
       </p:sp>
@@ -13867,7 +15566,7 @@
 </p:sld>
 </file>
 
-<file path=ppt/slides/slide27.xml><?xml version="1.0" encoding="utf-8"?>
+<file path=ppt/slides/slide28.xml><?xml version="1.0" encoding="utf-8"?>
 <p:sld xmlns:a="http://schemas.openxmlformats.org/drawingml/2006/main" xmlns:r="http://schemas.openxmlformats.org/officeDocument/2006/relationships" xmlns:p="http://schemas.openxmlformats.org/presentationml/2006/main">
   <p:cSld>
     <p:spTree>
@@ -13908,11 +15607,7 @@
           <a:p>
             <a:r>
               <a:rPr lang="en-US" sz="3600" dirty="0" smtClean="0"/>
-              <a:t>Future </a:t>
-            </a:r>
-            <a:r>
-              <a:rPr lang="en-US" sz="3600" dirty="0" smtClean="0"/>
-              <a:t>work</a:t>
+              <a:t>Future work</a:t>
             </a:r>
             <a:endParaRPr lang="en-US" sz="3600" dirty="0"/>
           </a:p>
@@ -13935,7 +15630,7 @@
           <a:p>
             <a:fld id="{D5B3FF5A-434C-48FB-8AB6-918D6BE80741}" type="slidenum">
               <a:rPr lang="en-US" smtClean="0"/>
-              <a:t>27</a:t>
+              <a:t>28</a:t>
             </a:fld>
             <a:endParaRPr lang="en-US"/>
           </a:p>
@@ -13979,7 +15674,11 @@
             <a:pPr lvl="1"/>
             <a:r>
               <a:rPr lang="en-US" dirty="0" smtClean="0"/>
-              <a:t>Containment t-test </a:t>
+              <a:t>Re-weighted, containment </a:t>
+            </a:r>
+            <a:r>
+              <a:rPr lang="en-US" dirty="0" smtClean="0"/>
+              <a:t>t-test </a:t>
             </a:r>
             <a:r>
               <a:rPr lang="en-US" dirty="0"/>
@@ -14026,6 +15725,7 @@
               <a:rPr lang="en-US" dirty="0" smtClean="0"/>
               <a:t>Software</a:t>
             </a:r>
+            <a:endParaRPr lang="en-US" dirty="0" smtClean="0"/>
           </a:p>
           <a:p>
             <a:pPr lvl="1"/>
@@ -14038,8 +15738,12 @@
               <a:t> R package </a:t>
             </a:r>
             <a:r>
+              <a:rPr lang="en-US" dirty="0" smtClean="0"/>
+              <a:t>under active </a:t>
+            </a:r>
+            <a:r>
               <a:rPr lang="en-US" dirty="0"/>
-              <a:t>under development (</a:t>
+              <a:t>development (</a:t>
             </a:r>
             <a:r>
               <a:rPr lang="en-US" dirty="0">
@@ -14062,8 +15766,33 @@
             <a:pPr lvl="1"/>
             <a:r>
               <a:rPr lang="en-US" dirty="0" smtClean="0"/>
-              <a:t>Need to implement in Stata</a:t>
-            </a:r>
+              <a:t>Need to implement in </a:t>
+            </a:r>
+            <a:r>
+              <a:rPr lang="en-US" dirty="0"/>
+              <a:t>Stata </a:t>
+            </a:r>
+            <a:r>
+              <a:rPr lang="en-US" dirty="0" smtClean="0"/>
+              <a:t>(</a:t>
+            </a:r>
+            <a:r>
+              <a:rPr lang="en-US" dirty="0" err="1" smtClean="0"/>
+              <a:t>Wanna</a:t>
+            </a:r>
+            <a:r>
+              <a:rPr lang="en-US" dirty="0" smtClean="0"/>
+              <a:t> </a:t>
+            </a:r>
+            <a:r>
+              <a:rPr lang="en-US" dirty="0"/>
+              <a:t>help</a:t>
+            </a:r>
+            <a:r>
+              <a:rPr lang="en-US" dirty="0" smtClean="0"/>
+              <a:t>?)</a:t>
+            </a:r>
+            <a:endParaRPr lang="en-US" dirty="0"/>
           </a:p>
         </p:txBody>
       </p:sp>
@@ -14446,7 +16175,7 @@
 </p:sld>
 </file>
 
-<file path=ppt/slides/slide28.xml><?xml version="1.0" encoding="utf-8"?>
+<file path=ppt/slides/slide29.xml><?xml version="1.0" encoding="utf-8"?>
 <p:sld xmlns:a="http://schemas.openxmlformats.org/drawingml/2006/main" xmlns:r="http://schemas.openxmlformats.org/officeDocument/2006/relationships" xmlns:p="http://schemas.openxmlformats.org/presentationml/2006/main">
   <p:cSld>
     <p:spTree>
@@ -14510,7 +16239,7 @@
           <a:p>
             <a:fld id="{D5B3FF5A-434C-48FB-8AB6-918D6BE80741}" type="slidenum">
               <a:rPr lang="en-US" smtClean="0"/>
-              <a:t>28</a:t>
+              <a:t>29</a:t>
             </a:fld>
             <a:endParaRPr lang="en-US"/>
           </a:p>
@@ -15365,11 +17094,7 @@
             <a:pPr lvl="1"/>
             <a:r>
               <a:rPr lang="en-US" dirty="0" smtClean="0"/>
-              <a:t>Demonstrates that BRL outperforms standard CRVE across a wide range of </a:t>
-            </a:r>
-            <a:r>
-              <a:rPr lang="en-US" dirty="0" smtClean="0"/>
-              <a:t>contexts</a:t>
+              <a:t>Demonstrates that BRL outperforms standard CRVE across a wide range of contexts</a:t>
             </a:r>
           </a:p>
           <a:p>
@@ -15379,11 +17104,7 @@
           <a:p>
             <a:r>
               <a:rPr lang="en-US" dirty="0" smtClean="0"/>
-              <a:t>With our extensions, BRL is a general</a:t>
-            </a:r>
-            <a:r>
-              <a:rPr lang="en-US" dirty="0" smtClean="0"/>
-              <a:t> and “</a:t>
+              <a:t>With our extensions, BRL is a general and “</a:t>
             </a:r>
             <a:r>
               <a:rPr lang="en-US" dirty="0"/>
@@ -15877,15 +17598,7 @@
             </a:r>
             <a:r>
               <a:rPr lang="en-US" i="1" dirty="0" smtClean="0"/>
-              <a:t>….actually….Your standard errors are too small and your p-values are all </a:t>
-            </a:r>
-            <a:r>
-              <a:rPr lang="en-US" i="1" dirty="0" smtClean="0"/>
-              <a:t>WAY too </a:t>
-            </a:r>
-            <a:r>
-              <a:rPr lang="en-US" i="1" dirty="0" smtClean="0"/>
-              <a:t>significant.</a:t>
+              <a:t>….actually….Your standard errors are too small and your p-values are all WAY too significant.</a:t>
             </a:r>
             <a:endParaRPr lang="en-US" i="1" dirty="0"/>
           </a:p>
@@ -15954,11 +17667,7 @@
           <a:p>
             <a:r>
               <a:rPr lang="en-US" dirty="0" smtClean="0"/>
-              <a:t>How </a:t>
-            </a:r>
-            <a:r>
-              <a:rPr lang="en-US" dirty="0" smtClean="0"/>
-              <a:t>to make your SEs smaller</a:t>
+              <a:t>How to make your SEs smaller</a:t>
             </a:r>
           </a:p>
           <a:p>
@@ -16000,7 +17709,7 @@
                             </p:stCondLst>
                             <p:childTnLst>
                               <p:par>
-                                <p:cTn id="5" presetID="1" presetClass="entr" presetSubtype="0" fill="hold" grpId="0" nodeType="clickEffect">
+                                <p:cTn id="5" presetID="1" presetClass="entr" presetSubtype="0" fill="hold" nodeType="clickEffect">
                                   <p:stCondLst>
                                     <p:cond delay="0"/>
                                   </p:stCondLst>
@@ -16013,11 +17722,34 @@
                                           </p:stCondLst>
                                         </p:cTn>
                                         <p:tgtEl>
-                                          <p:spTgt spid="9">
-                                            <p:txEl>
-                                              <p:pRg st="0" end="0"/>
-                                            </p:txEl>
-                                          </p:spTgt>
+                                          <p:spTgt spid="129026"/>
+                                        </p:tgtEl>
+                                        <p:attrNameLst>
+                                          <p:attrName>style.visibility</p:attrName>
+                                        </p:attrNameLst>
+                                      </p:cBhvr>
+                                      <p:to>
+                                        <p:strVal val="visible"/>
+                                      </p:to>
+                                    </p:set>
+                                  </p:childTnLst>
+                                </p:cTn>
+                              </p:par>
+                              <p:par>
+                                <p:cTn id="7" presetID="1" presetClass="entr" presetSubtype="0" fill="hold" grpId="0" nodeType="withEffect">
+                                  <p:stCondLst>
+                                    <p:cond delay="0"/>
+                                  </p:stCondLst>
+                                  <p:childTnLst>
+                                    <p:set>
+                                      <p:cBhvr>
+                                        <p:cTn id="8" dur="1" fill="hold">
+                                          <p:stCondLst>
+                                            <p:cond delay="0"/>
+                                          </p:stCondLst>
+                                        </p:cTn>
+                                        <p:tgtEl>
+                                          <p:spTgt spid="3"/>
                                         </p:tgtEl>
                                         <p:attrNameLst>
                                           <p:attrName>style.visibility</p:attrName>
@@ -16037,50 +17769,19 @@
                     </p:cTn>
                   </p:par>
                   <p:par>
-                    <p:cTn id="7" fill="hold">
+                    <p:cTn id="9" fill="hold">
                       <p:stCondLst>
                         <p:cond delay="indefinite"/>
                       </p:stCondLst>
                       <p:childTnLst>
                         <p:par>
-                          <p:cTn id="8" fill="hold">
+                          <p:cTn id="10" fill="hold">
                             <p:stCondLst>
                               <p:cond delay="0"/>
                             </p:stCondLst>
                             <p:childTnLst>
                               <p:par>
-                                <p:cTn id="9" presetID="1" presetClass="entr" presetSubtype="0" fill="hold" grpId="0" nodeType="clickEffect">
-                                  <p:stCondLst>
-                                    <p:cond delay="0"/>
-                                  </p:stCondLst>
-                                  <p:childTnLst>
-                                    <p:set>
-                                      <p:cBhvr>
-                                        <p:cTn id="10" dur="1" fill="hold">
-                                          <p:stCondLst>
-                                            <p:cond delay="0"/>
-                                          </p:stCondLst>
-                                        </p:cTn>
-                                        <p:tgtEl>
-                                          <p:spTgt spid="9">
-                                            <p:txEl>
-                                              <p:pRg st="1" end="1"/>
-                                            </p:txEl>
-                                          </p:spTgt>
-                                        </p:tgtEl>
-                                        <p:attrNameLst>
-                                          <p:attrName>style.visibility</p:attrName>
-                                        </p:attrNameLst>
-                                      </p:cBhvr>
-                                      <p:to>
-                                        <p:strVal val="visible"/>
-                                      </p:to>
-                                    </p:set>
-                                  </p:childTnLst>
-                                </p:cTn>
-                              </p:par>
-                              <p:par>
-                                <p:cTn id="11" presetID="1" presetClass="entr" presetSubtype="0" fill="hold" grpId="0" nodeType="withEffect">
+                                <p:cTn id="11" presetID="1" presetClass="entr" presetSubtype="0" fill="hold" grpId="0" nodeType="clickEffect">
                                   <p:stCondLst>
                                     <p:cond delay="0"/>
                                   </p:stCondLst>
@@ -16095,7 +17796,7 @@
                                         <p:tgtEl>
                                           <p:spTgt spid="9">
                                             <p:txEl>
-                                              <p:pRg st="2" end="2"/>
+                                              <p:pRg st="6" end="6"/>
                                             </p:txEl>
                                           </p:spTgt>
                                         </p:tgtEl>
@@ -16137,238 +17838,6 @@
                                     <p:set>
                                       <p:cBhvr>
                                         <p:cTn id="16" dur="1" fill="hold">
-                                          <p:stCondLst>
-                                            <p:cond delay="0"/>
-                                          </p:stCondLst>
-                                        </p:cTn>
-                                        <p:tgtEl>
-                                          <p:spTgt spid="9">
-                                            <p:txEl>
-                                              <p:pRg st="3" end="3"/>
-                                            </p:txEl>
-                                          </p:spTgt>
-                                        </p:tgtEl>
-                                        <p:attrNameLst>
-                                          <p:attrName>style.visibility</p:attrName>
-                                        </p:attrNameLst>
-                                      </p:cBhvr>
-                                      <p:to>
-                                        <p:strVal val="visible"/>
-                                      </p:to>
-                                    </p:set>
-                                  </p:childTnLst>
-                                </p:cTn>
-                              </p:par>
-                              <p:par>
-                                <p:cTn id="17" presetID="1" presetClass="entr" presetSubtype="0" fill="hold" grpId="0" nodeType="withEffect">
-                                  <p:stCondLst>
-                                    <p:cond delay="0"/>
-                                  </p:stCondLst>
-                                  <p:childTnLst>
-                                    <p:set>
-                                      <p:cBhvr>
-                                        <p:cTn id="18" dur="1" fill="hold">
-                                          <p:stCondLst>
-                                            <p:cond delay="0"/>
-                                          </p:stCondLst>
-                                        </p:cTn>
-                                        <p:tgtEl>
-                                          <p:spTgt spid="9">
-                                            <p:txEl>
-                                              <p:pRg st="4" end="4"/>
-                                            </p:txEl>
-                                          </p:spTgt>
-                                        </p:tgtEl>
-                                        <p:attrNameLst>
-                                          <p:attrName>style.visibility</p:attrName>
-                                        </p:attrNameLst>
-                                      </p:cBhvr>
-                                      <p:to>
-                                        <p:strVal val="visible"/>
-                                      </p:to>
-                                    </p:set>
-                                  </p:childTnLst>
-                                </p:cTn>
-                              </p:par>
-                              <p:par>
-                                <p:cTn id="19" presetID="1" presetClass="entr" presetSubtype="0" fill="hold" grpId="0" nodeType="withEffect">
-                                  <p:stCondLst>
-                                    <p:cond delay="0"/>
-                                  </p:stCondLst>
-                                  <p:childTnLst>
-                                    <p:set>
-                                      <p:cBhvr>
-                                        <p:cTn id="20" dur="1" fill="hold">
-                                          <p:stCondLst>
-                                            <p:cond delay="0"/>
-                                          </p:stCondLst>
-                                        </p:cTn>
-                                        <p:tgtEl>
-                                          <p:spTgt spid="9">
-                                            <p:txEl>
-                                              <p:pRg st="5" end="5"/>
-                                            </p:txEl>
-                                          </p:spTgt>
-                                        </p:tgtEl>
-                                        <p:attrNameLst>
-                                          <p:attrName>style.visibility</p:attrName>
-                                        </p:attrNameLst>
-                                      </p:cBhvr>
-                                      <p:to>
-                                        <p:strVal val="visible"/>
-                                      </p:to>
-                                    </p:set>
-                                  </p:childTnLst>
-                                </p:cTn>
-                              </p:par>
-                            </p:childTnLst>
-                          </p:cTn>
-                        </p:par>
-                      </p:childTnLst>
-                    </p:cTn>
-                  </p:par>
-                  <p:par>
-                    <p:cTn id="21" fill="hold">
-                      <p:stCondLst>
-                        <p:cond delay="indefinite"/>
-                      </p:stCondLst>
-                      <p:childTnLst>
-                        <p:par>
-                          <p:cTn id="22" fill="hold">
-                            <p:stCondLst>
-                              <p:cond delay="0"/>
-                            </p:stCondLst>
-                            <p:childTnLst>
-                              <p:par>
-                                <p:cTn id="23" presetID="1" presetClass="entr" presetSubtype="0" fill="hold" nodeType="clickEffect">
-                                  <p:stCondLst>
-                                    <p:cond delay="0"/>
-                                  </p:stCondLst>
-                                  <p:childTnLst>
-                                    <p:set>
-                                      <p:cBhvr>
-                                        <p:cTn id="24" dur="1" fill="hold">
-                                          <p:stCondLst>
-                                            <p:cond delay="0"/>
-                                          </p:stCondLst>
-                                        </p:cTn>
-                                        <p:tgtEl>
-                                          <p:spTgt spid="129026"/>
-                                        </p:tgtEl>
-                                        <p:attrNameLst>
-                                          <p:attrName>style.visibility</p:attrName>
-                                        </p:attrNameLst>
-                                      </p:cBhvr>
-                                      <p:to>
-                                        <p:strVal val="visible"/>
-                                      </p:to>
-                                    </p:set>
-                                  </p:childTnLst>
-                                </p:cTn>
-                              </p:par>
-                              <p:par>
-                                <p:cTn id="25" presetID="1" presetClass="entr" presetSubtype="0" fill="hold" grpId="0" nodeType="withEffect">
-                                  <p:stCondLst>
-                                    <p:cond delay="0"/>
-                                  </p:stCondLst>
-                                  <p:childTnLst>
-                                    <p:set>
-                                      <p:cBhvr>
-                                        <p:cTn id="26" dur="1" fill="hold">
-                                          <p:stCondLst>
-                                            <p:cond delay="0"/>
-                                          </p:stCondLst>
-                                        </p:cTn>
-                                        <p:tgtEl>
-                                          <p:spTgt spid="3"/>
-                                        </p:tgtEl>
-                                        <p:attrNameLst>
-                                          <p:attrName>style.visibility</p:attrName>
-                                        </p:attrNameLst>
-                                      </p:cBhvr>
-                                      <p:to>
-                                        <p:strVal val="visible"/>
-                                      </p:to>
-                                    </p:set>
-                                  </p:childTnLst>
-                                </p:cTn>
-                              </p:par>
-                            </p:childTnLst>
-                          </p:cTn>
-                        </p:par>
-                      </p:childTnLst>
-                    </p:cTn>
-                  </p:par>
-                  <p:par>
-                    <p:cTn id="27" fill="hold">
-                      <p:stCondLst>
-                        <p:cond delay="indefinite"/>
-                      </p:stCondLst>
-                      <p:childTnLst>
-                        <p:par>
-                          <p:cTn id="28" fill="hold">
-                            <p:stCondLst>
-                              <p:cond delay="0"/>
-                            </p:stCondLst>
-                            <p:childTnLst>
-                              <p:par>
-                                <p:cTn id="29" presetID="1" presetClass="entr" presetSubtype="0" fill="hold" grpId="0" nodeType="clickEffect">
-                                  <p:stCondLst>
-                                    <p:cond delay="0"/>
-                                  </p:stCondLst>
-                                  <p:childTnLst>
-                                    <p:set>
-                                      <p:cBhvr>
-                                        <p:cTn id="30" dur="1" fill="hold">
-                                          <p:stCondLst>
-                                            <p:cond delay="0"/>
-                                          </p:stCondLst>
-                                        </p:cTn>
-                                        <p:tgtEl>
-                                          <p:spTgt spid="9">
-                                            <p:txEl>
-                                              <p:pRg st="6" end="6"/>
-                                            </p:txEl>
-                                          </p:spTgt>
-                                        </p:tgtEl>
-                                        <p:attrNameLst>
-                                          <p:attrName>style.visibility</p:attrName>
-                                        </p:attrNameLst>
-                                      </p:cBhvr>
-                                      <p:to>
-                                        <p:strVal val="visible"/>
-                                      </p:to>
-                                    </p:set>
-                                  </p:childTnLst>
-                                </p:cTn>
-                              </p:par>
-                            </p:childTnLst>
-                          </p:cTn>
-                        </p:par>
-                      </p:childTnLst>
-                    </p:cTn>
-                  </p:par>
-                  <p:par>
-                    <p:cTn id="31" fill="hold">
-                      <p:stCondLst>
-                        <p:cond delay="indefinite"/>
-                      </p:stCondLst>
-                      <p:childTnLst>
-                        <p:par>
-                          <p:cTn id="32" fill="hold">
-                            <p:stCondLst>
-                              <p:cond delay="0"/>
-                            </p:stCondLst>
-                            <p:childTnLst>
-                              <p:par>
-                                <p:cTn id="33" presetID="1" presetClass="entr" presetSubtype="0" fill="hold" grpId="0" nodeType="clickEffect">
-                                  <p:stCondLst>
-                                    <p:cond delay="0"/>
-                                  </p:stCondLst>
-                                  <p:childTnLst>
-                                    <p:set>
-                                      <p:cBhvr>
-                                        <p:cTn id="34" dur="1" fill="hold">
                                           <p:stCondLst>
                                             <p:cond delay="0"/>
                                           </p:stCondLst>
@@ -16515,11 +17984,7 @@
           <a:p>
             <a:r>
               <a:rPr lang="en-US" dirty="0" smtClean="0"/>
-              <a:t>Suppose we have </a:t>
-            </a:r>
-            <a:r>
-              <a:rPr lang="en-US" dirty="0" smtClean="0"/>
-              <a:t>a regression model</a:t>
+              <a:t>Suppose we have a regression model</a:t>
             </a:r>
             <a:br>
               <a:rPr lang="en-US" dirty="0" smtClean="0"/>
@@ -16582,7 +18047,7 @@
             </a:r>
             <a:r>
               <a:rPr lang="el-GR" b="1" dirty="0" smtClean="0"/>
-              <a:t>Σ</a:t>
+              <a:t>Φ</a:t>
             </a:r>
             <a:r>
               <a:rPr lang="en-US" i="1" baseline="-25000" dirty="0" smtClean="0"/>
@@ -16590,7 +18055,11 @@
             </a:r>
             <a:r>
               <a:rPr lang="en-US" dirty="0" smtClean="0"/>
-              <a:t> for </a:t>
+              <a:t> </a:t>
+            </a:r>
+            <a:r>
+              <a:rPr lang="en-US" dirty="0" smtClean="0"/>
+              <a:t>for </a:t>
             </a:r>
             <a:r>
               <a:rPr lang="en-US" i="1" dirty="0"/>
@@ -16682,7 +18151,7 @@
           <a:graphicData uri="http://schemas.openxmlformats.org/presentationml/2006/ole">
             <mc:AlternateContent xmlns:mc="http://schemas.openxmlformats.org/markup-compatibility/2006">
               <mc:Choice xmlns:v="urn:schemas-microsoft-com:vml" Requires="v">
-                <p:oleObj spid="_x0000_s127237" name="Equation" r:id="rId4" imgW="863280" imgH="241200" progId="Equation.DSMT4">
+                <p:oleObj spid="_x0000_s127300" name="Equation" r:id="rId4" imgW="863280" imgH="241200" progId="Equation.DSMT4">
                   <p:embed/>
                 </p:oleObj>
               </mc:Choice>
@@ -17096,7 +18565,7 @@
           <a:graphicData uri="http://schemas.openxmlformats.org/presentationml/2006/ole">
             <mc:AlternateContent xmlns:mc="http://schemas.openxmlformats.org/markup-compatibility/2006">
               <mc:Choice xmlns:v="urn:schemas-microsoft-com:vml" Requires="v">
-                <p:oleObj spid="_x0000_s132309" name="Equation" r:id="rId4" imgW="723600" imgH="228600" progId="Equation.DSMT4">
+                <p:oleObj spid="_x0000_s132435" name="Equation" r:id="rId4" imgW="723600" imgH="228600" progId="Equation.DSMT4">
                   <p:embed/>
                 </p:oleObj>
               </mc:Choice>
@@ -17153,7 +18622,7 @@
           <a:graphicData uri="http://schemas.openxmlformats.org/presentationml/2006/ole">
             <mc:AlternateContent xmlns:mc="http://schemas.openxmlformats.org/markup-compatibility/2006">
               <mc:Choice xmlns:v="urn:schemas-microsoft-com:vml" Requires="v">
-                <p:oleObj spid="_x0000_s132310" name="Equation" r:id="rId6" imgW="1320480" imgH="241200" progId="Equation.DSMT4">
+                <p:oleObj spid="_x0000_s132436" name="Equation" r:id="rId6" imgW="1320480" imgH="241200" progId="Equation.DSMT4">
                   <p:embed/>
                 </p:oleObj>
               </mc:Choice>
@@ -17474,7 +18943,7 @@
           <a:graphicData uri="http://schemas.openxmlformats.org/presentationml/2006/ole">
             <mc:AlternateContent xmlns:mc="http://schemas.openxmlformats.org/markup-compatibility/2006">
               <mc:Choice xmlns:v="urn:schemas-microsoft-com:vml" Requires="v">
-                <p:oleObj spid="_x0000_s128517" name="Equation" r:id="rId4" imgW="2374560" imgH="774360" progId="Equation.DSMT4">
+                <p:oleObj spid="_x0000_s128706" name="Equation" r:id="rId4" imgW="2374560" imgH="774360" progId="Equation.DSMT4">
                   <p:embed/>
                 </p:oleObj>
               </mc:Choice>
@@ -17619,25 +19088,25 @@
           <p:nvPr>
             <p:extLst>
               <p:ext uri="{D42A27DB-BD31-4B8C-83A1-F6EECF244321}">
-                <p14:modId xmlns:p14="http://schemas.microsoft.com/office/powerpoint/2010/main" val="500983023"/>
+                <p14:modId xmlns:p14="http://schemas.microsoft.com/office/powerpoint/2010/main" val="313401872"/>
               </p:ext>
             </p:extLst>
           </p:nvPr>
         </p:nvGraphicFramePr>
         <p:xfrm>
-          <a:off x="762000" y="2235200"/>
-          <a:ext cx="5792787" cy="1117600"/>
+          <a:off x="733425" y="2235200"/>
+          <a:ext cx="5853113" cy="1117600"/>
         </p:xfrm>
         <a:graphic>
           <a:graphicData uri="http://schemas.openxmlformats.org/presentationml/2006/ole">
             <mc:AlternateContent xmlns:mc="http://schemas.openxmlformats.org/markup-compatibility/2006">
               <mc:Choice xmlns:v="urn:schemas-microsoft-com:vml" Requires="v">
-                <p:oleObj spid="_x0000_s128518" name="Equation" r:id="rId6" imgW="2489040" imgH="482400" progId="Equation.DSMT4">
+                <p:oleObj spid="_x0000_s128707" name="Equation" r:id="rId6" imgW="2514600" imgH="482400" progId="Equation.DSMT4">
                   <p:embed/>
                 </p:oleObj>
               </mc:Choice>
               <mc:Fallback>
-                <p:oleObj name="Equation" r:id="rId6" imgW="2489040" imgH="482400" progId="Equation.DSMT4">
+                <p:oleObj name="Equation" r:id="rId6" imgW="2514600" imgH="482400" progId="Equation.DSMT4">
                   <p:embed/>
                   <p:pic>
                     <p:nvPicPr>
@@ -17653,8 +19122,8 @@
                     </p:blipFill>
                     <p:spPr>
                       <a:xfrm>
-                        <a:off x="762000" y="2235200"/>
-                        <a:ext cx="5792787" cy="1117600"/>
+                        <a:off x="733425" y="2235200"/>
+                        <a:ext cx="5853113" cy="1117600"/>
                       </a:xfrm>
                       <a:prstGeom prst="rect">
                         <a:avLst/>
@@ -17689,7 +19158,7 @@
           <a:graphicData uri="http://schemas.openxmlformats.org/presentationml/2006/ole">
             <mc:AlternateContent xmlns:mc="http://schemas.openxmlformats.org/markup-compatibility/2006">
               <mc:Choice xmlns:v="urn:schemas-microsoft-com:vml" Requires="v">
-                <p:oleObj spid="_x0000_s128519" name="Equation" r:id="rId8" imgW="3060360" imgH="787320" progId="Equation.DSMT4">
+                <p:oleObj spid="_x0000_s128708" name="Equation" r:id="rId8" imgW="3060360" imgH="787320" progId="Equation.DSMT4">
                   <p:embed/>
                 </p:oleObj>
               </mc:Choice>
@@ -18149,11 +19618,7 @@
           <a:p>
             <a:r>
               <a:rPr lang="en-US" dirty="0" smtClean="0"/>
-              <a:t>Robust </a:t>
-            </a:r>
-            <a:r>
-              <a:rPr lang="en-US" dirty="0" smtClean="0"/>
-              <a:t>(Wald-type) F-test</a:t>
+              <a:t>Robust (Wald-type) F-test</a:t>
             </a:r>
             <a:r>
               <a:rPr lang="en-US" dirty="0"/>
@@ -18188,12 +19653,24 @@
               <a:t>0 for </a:t>
             </a:r>
             <a:r>
-              <a:rPr lang="en-US" dirty="0" err="1" smtClean="0"/>
-              <a:t>q×p</a:t>
-            </a:r>
-            <a:r>
-              <a:rPr lang="en-US" dirty="0" smtClean="0"/>
-              <a:t> matrix </a:t>
+              <a:rPr lang="en-US" i="1" dirty="0" smtClean="0"/>
+              <a:t>q </a:t>
+            </a:r>
+            <a:r>
+              <a:rPr lang="en-US" dirty="0" smtClean="0"/>
+              <a:t>× </a:t>
+            </a:r>
+            <a:r>
+              <a:rPr lang="en-US" i="1" dirty="0" smtClean="0"/>
+              <a:t>p</a:t>
+            </a:r>
+            <a:r>
+              <a:rPr lang="en-US" dirty="0" smtClean="0"/>
+              <a:t> </a:t>
+            </a:r>
+            <a:r>
+              <a:rPr lang="en-US" dirty="0" smtClean="0"/>
+              <a:t>matrix </a:t>
             </a:r>
             <a:r>
               <a:rPr lang="en-US" b="1" dirty="0" smtClean="0"/>
@@ -18228,7 +19705,7 @@
           <a:graphicData uri="http://schemas.openxmlformats.org/presentationml/2006/ole">
             <mc:AlternateContent xmlns:mc="http://schemas.openxmlformats.org/markup-compatibility/2006">
               <mc:Choice xmlns:v="urn:schemas-microsoft-com:vml" Requires="v">
-                <p:oleObj spid="_x0000_s133316" name="Equation" r:id="rId5" imgW="1904760" imgH="291960" progId="Equation.DSMT4">
+                <p:oleObj spid="_x0000_s133442" name="Equation" r:id="rId5" imgW="1904760" imgH="291960" progId="Equation.DSMT4">
                   <p:embed/>
                 </p:oleObj>
               </mc:Choice>
@@ -18285,7 +19762,7 @@
           <a:graphicData uri="http://schemas.openxmlformats.org/presentationml/2006/ole">
             <mc:AlternateContent xmlns:mc="http://schemas.openxmlformats.org/markup-compatibility/2006">
               <mc:Choice xmlns:v="urn:schemas-microsoft-com:vml" Requires="v">
-                <p:oleObj spid="_x0000_s133317" name="Equation" r:id="rId7" imgW="3251160" imgH="419040" progId="Equation.DSMT4">
+                <p:oleObj spid="_x0000_s133443" name="Equation" r:id="rId7" imgW="3251160" imgH="419040" progId="Equation.DSMT4">
                   <p:embed/>
                 </p:oleObj>
               </mc:Choice>
